--- a/Entregables/8 Cotizar la infraestructura/Preguntas.pptx
+++ b/Entregables/8 Cotizar la infraestructura/Preguntas.pptx
@@ -20,7 +20,6 @@
     <p:sldId id="281" r:id="rId14"/>
     <p:sldId id="282" r:id="rId15"/>
     <p:sldId id="257" r:id="rId16"/>
-    <p:sldId id="272" r:id="rId17"/>
   </p:sldIdLst>
   <p:sldSz cx="12192000" cy="6858000"/>
   <p:notesSz cx="6858000" cy="9144000"/>
@@ -693,7 +692,7 @@
           <a:p>
             <a:fld id="{97BFF81C-1FCB-4DBA-8044-F1A0FCFD45A6}" type="datetime1">
               <a:rPr lang="en-US" smtClean="0"/>
-              <a:t>2/20/2021</a:t>
+              <a:t>2/21/2021</a:t>
             </a:fld>
             <a:endParaRPr lang="en-US" dirty="0"/>
           </a:p>
@@ -1372,7 +1371,7 @@
           <a:p>
             <a:fld id="{FB9092B3-2D87-4CDF-B84B-C46E5F5D31F7}" type="datetime1">
               <a:rPr lang="en-US" smtClean="0"/>
-              <a:t>2/20/2021</a:t>
+              <a:t>2/21/2021</a:t>
             </a:fld>
             <a:endParaRPr lang="en-US" dirty="0"/>
           </a:p>
@@ -2061,7 +2060,7 @@
           <a:p>
             <a:fld id="{3D769E57-47B1-47B0-B526-3153E4B1E729}" type="datetime1">
               <a:rPr lang="en-US" smtClean="0"/>
-              <a:t>2/20/2021</a:t>
+              <a:t>2/21/2021</a:t>
             </a:fld>
             <a:endParaRPr lang="en-US" dirty="0"/>
           </a:p>
@@ -2740,7 +2739,7 @@
           <a:p>
             <a:fld id="{5A87773D-8987-489A-A650-3D6F7D5C7C38}" type="datetime1">
               <a:rPr lang="en-US" smtClean="0"/>
-              <a:t>2/20/2021</a:t>
+              <a:t>2/21/2021</a:t>
             </a:fld>
             <a:endParaRPr lang="en-US" dirty="0"/>
           </a:p>
@@ -3495,7 +3494,7 @@
           <a:p>
             <a:fld id="{97E150C1-1D78-4D80-810D-E9E86F6E88AB}" type="datetime1">
               <a:rPr lang="en-US" smtClean="0"/>
-              <a:t>2/20/2021</a:t>
+              <a:t>2/21/2021</a:t>
             </a:fld>
             <a:endParaRPr lang="en-US" dirty="0"/>
           </a:p>
@@ -4242,7 +4241,7 @@
           <a:p>
             <a:fld id="{29E9CBD8-1588-4B6B-B74D-87480DDE94C0}" type="datetime1">
               <a:rPr lang="en-US" smtClean="0"/>
-              <a:t>2/20/2021</a:t>
+              <a:t>2/21/2021</a:t>
             </a:fld>
             <a:endParaRPr lang="en-US" dirty="0"/>
           </a:p>
@@ -5136,7 +5135,7 @@
           <a:p>
             <a:fld id="{AD794440-721C-4D75-BD4F-4CFB3D51CDCA}" type="datetime1">
               <a:rPr lang="en-US" smtClean="0"/>
-              <a:t>2/20/2021</a:t>
+              <a:t>2/21/2021</a:t>
             </a:fld>
             <a:endParaRPr lang="en-US" dirty="0"/>
           </a:p>
@@ -5757,7 +5756,7 @@
           <a:p>
             <a:fld id="{B2701A64-483B-4532-94FB-D8F90CB6DEE0}" type="datetime1">
               <a:rPr lang="en-US" smtClean="0"/>
-              <a:t>2/20/2021</a:t>
+              <a:t>2/21/2021</a:t>
             </a:fld>
             <a:endParaRPr lang="en-US" dirty="0"/>
           </a:p>
@@ -6349,7 +6348,7 @@
           <a:p>
             <a:fld id="{6F18FB39-20FB-4E2E-B861-45B709B9C3C5}" type="datetime1">
               <a:rPr lang="en-US" smtClean="0"/>
-              <a:t>2/20/2021</a:t>
+              <a:t>2/21/2021</a:t>
             </a:fld>
             <a:endParaRPr lang="en-US" dirty="0"/>
           </a:p>
@@ -7141,7 +7140,7 @@
           <a:p>
             <a:fld id="{AC48AC19-8BD6-476C-9770-8884373BCF00}" type="datetime1">
               <a:rPr lang="en-US" smtClean="0"/>
-              <a:t>2/20/2021</a:t>
+              <a:t>2/21/2021</a:t>
             </a:fld>
             <a:endParaRPr lang="en-US"/>
           </a:p>
@@ -7913,7 +7912,7 @@
           <a:p>
             <a:fld id="{F3F68C53-8AD1-4F09-9486-FB3406B99CFA}" type="datetime1">
               <a:rPr lang="en-US" smtClean="0"/>
-              <a:t>2/20/2021</a:t>
+              <a:t>2/21/2021</a:t>
             </a:fld>
             <a:endParaRPr lang="en-US" dirty="0"/>
           </a:p>
@@ -8224,7 +8223,7 @@
             <a:fld id="{BA543EDD-D0D2-447F-B24F-3717AF4B109D}" type="datetime1">
               <a:rPr lang="en-US" smtClean="0"/>
               <a:pPr/>
-              <a:t>2/20/2021</a:t>
+              <a:t>2/21/2021</a:t>
             </a:fld>
             <a:endParaRPr lang="en-US" dirty="0"/>
           </a:p>
@@ -8666,7 +8665,7 @@
                 <a16:creationId xmlns:a16="http://schemas.microsoft.com/office/drawing/2014/main" id="{489B7BFD-8F45-4093-AD9C-91B15B0503D9}"/>
               </a:ext>
               <a:ext uri="{C183D7F6-B498-43B3-948B-1728B52AA6E4}">
-                <adec:decorative xmlns="" xmlns:adec="http://schemas.microsoft.com/office/drawing/2017/decorative" val="1"/>
+                <adec:decorative xmlns:adec="http://schemas.microsoft.com/office/drawing/2017/decorative" val="1"/>
               </a:ext>
             </a:extLst>
           </p:cNvPr>
@@ -8726,7 +8725,7 @@
                 <a16:creationId xmlns:a16="http://schemas.microsoft.com/office/drawing/2014/main" id="{042BC7E5-76DB-4826-8C07-4A49B6353F76}"/>
               </a:ext>
               <a:ext uri="{C183D7F6-B498-43B3-948B-1728B52AA6E4}">
-                <adec:decorative xmlns="" xmlns:adec="http://schemas.microsoft.com/office/drawing/2017/decorative" val="1"/>
+                <adec:decorative xmlns:adec="http://schemas.microsoft.com/office/drawing/2017/decorative" val="1"/>
               </a:ext>
             </a:extLst>
           </p:cNvPr>
@@ -8760,7 +8759,7 @@
                   <a16:creationId xmlns:a16="http://schemas.microsoft.com/office/drawing/2014/main" id="{E16C8D8F-10E9-4498-ABDB-0F923F8B6837}"/>
                 </a:ext>
                 <a:ext uri="{C183D7F6-B498-43B3-948B-1728B52AA6E4}">
-                  <adec:decorative xmlns="" xmlns:adec="http://schemas.microsoft.com/office/drawing/2017/decorative" val="1"/>
+                  <adec:decorative xmlns:adec="http://schemas.microsoft.com/office/drawing/2017/decorative" val="1"/>
                 </a:ext>
               </a:extLst>
             </p:cNvPr>
@@ -8961,7 +8960,7 @@
                   <a16:creationId xmlns:a16="http://schemas.microsoft.com/office/drawing/2014/main" id="{1E5A83E3-8A11-4492-BB6E-F5F2240316FB}"/>
                 </a:ext>
                 <a:ext uri="{C183D7F6-B498-43B3-948B-1728B52AA6E4}">
-                  <adec:decorative xmlns="" xmlns:adec="http://schemas.microsoft.com/office/drawing/2017/decorative" val="1"/>
+                  <adec:decorative xmlns:adec="http://schemas.microsoft.com/office/drawing/2017/decorative" val="1"/>
                 </a:ext>
               </a:extLst>
             </p:cNvPr>
@@ -9163,7 +9162,7 @@
                 <a16:creationId xmlns:a16="http://schemas.microsoft.com/office/drawing/2014/main" id="{498F8FF6-43B4-494A-AF8F-123A4983EDF7}"/>
               </a:ext>
               <a:ext uri="{C183D7F6-B498-43B3-948B-1728B52AA6E4}">
-                <adec:decorative xmlns="" xmlns:adec="http://schemas.microsoft.com/office/drawing/2017/decorative" val="1"/>
+                <adec:decorative xmlns:adec="http://schemas.microsoft.com/office/drawing/2017/decorative" val="1"/>
               </a:ext>
             </a:extLst>
           </p:cNvPr>
@@ -9301,7 +9300,7 @@
                 <a16:creationId xmlns:a16="http://schemas.microsoft.com/office/drawing/2014/main" id="{2B06059C-C357-4011-82B9-9C0106301384}"/>
               </a:ext>
               <a:ext uri="{C183D7F6-B498-43B3-948B-1728B52AA6E4}">
-                <adec:decorative xmlns="" xmlns:adec="http://schemas.microsoft.com/office/drawing/2017/decorative" val="1"/>
+                <adec:decorative xmlns:adec="http://schemas.microsoft.com/office/drawing/2017/decorative" val="1"/>
               </a:ext>
             </a:extLst>
           </p:cNvPr>
@@ -9443,7 +9442,7 @@
                 <a16:creationId xmlns:a16="http://schemas.microsoft.com/office/drawing/2014/main" id="{5AFEC601-A132-47EE-B0C2-B38ACD9FCE6F}"/>
               </a:ext>
               <a:ext uri="{C183D7F6-B498-43B3-948B-1728B52AA6E4}">
-                <adec:decorative xmlns="" xmlns:adec="http://schemas.microsoft.com/office/drawing/2017/decorative" val="1"/>
+                <adec:decorative xmlns:adec="http://schemas.microsoft.com/office/drawing/2017/decorative" val="1"/>
               </a:ext>
             </a:extLst>
           </p:cNvPr>
@@ -9659,13 +9658,8 @@
           <a:p>
             <a:r>
               <a:rPr lang="es-CO" sz="1800" dirty="0"/>
-              <a:t>DAVID </a:t>
+              <a:t>DAVID Hernández</a:t>
             </a:r>
-            <a:r>
-              <a:rPr lang="es-CO" sz="1800" dirty="0" smtClean="0"/>
-              <a:t>Hernández</a:t>
-            </a:r>
-            <a:endParaRPr lang="es-CO" sz="1800" dirty="0"/>
           </a:p>
           <a:p>
             <a:r>
@@ -9707,7 +9701,7 @@
                 <a16:creationId xmlns:a16="http://schemas.microsoft.com/office/drawing/2014/main" id="{279CAF82-0ECF-42BE-8F37-F71941E5D410}"/>
               </a:ext>
               <a:ext uri="{C183D7F6-B498-43B3-948B-1728B52AA6E4}">
-                <adec:decorative xmlns="" xmlns:adec="http://schemas.microsoft.com/office/drawing/2017/decorative" val="1"/>
+                <adec:decorative xmlns:adec="http://schemas.microsoft.com/office/drawing/2017/decorative" val="1"/>
               </a:ext>
             </a:extLst>
           </p:cNvPr>
@@ -9889,7 +9883,7 @@
                 <a16:creationId xmlns:a16="http://schemas.microsoft.com/office/drawing/2014/main" id="{218E095B-4870-4AD5-9C41-C16D59523501}"/>
               </a:ext>
               <a:ext uri="{C183D7F6-B498-43B3-948B-1728B52AA6E4}">
-                <adec:decorative xmlns="" xmlns:adec="http://schemas.microsoft.com/office/drawing/2017/decorative" val="1"/>
+                <adec:decorative xmlns:adec="http://schemas.microsoft.com/office/drawing/2017/decorative" val="1"/>
               </a:ext>
             </a:extLst>
           </p:cNvPr>
@@ -10073,7 +10067,7 @@
                 <a16:creationId xmlns:a16="http://schemas.microsoft.com/office/drawing/2014/main" id="{FB9739EB-7F66-433D-841F-AB3CD18700B7}"/>
               </a:ext>
               <a:ext uri="{C183D7F6-B498-43B3-948B-1728B52AA6E4}">
-                <adec:decorative xmlns="" xmlns:adec="http://schemas.microsoft.com/office/drawing/2017/decorative" val="1"/>
+                <adec:decorative xmlns:adec="http://schemas.microsoft.com/office/drawing/2017/decorative" val="1"/>
               </a:ext>
             </a:extLst>
           </p:cNvPr>
@@ -10107,7 +10101,7 @@
                   <a16:creationId xmlns:a16="http://schemas.microsoft.com/office/drawing/2014/main" id="{104F2BBD-A005-4DCB-9566-F2351050BEE6}"/>
                 </a:ext>
                 <a:ext uri="{C183D7F6-B498-43B3-948B-1728B52AA6E4}">
-                  <adec:decorative xmlns="" xmlns:adec="http://schemas.microsoft.com/office/drawing/2017/decorative" val="1"/>
+                  <adec:decorative xmlns:adec="http://schemas.microsoft.com/office/drawing/2017/decorative" val="1"/>
                 </a:ext>
               </a:extLst>
             </p:cNvPr>
@@ -10194,7 +10188,7 @@
                   <a16:creationId xmlns:a16="http://schemas.microsoft.com/office/drawing/2014/main" id="{8B00DEC7-198B-49D1-98FD-018F3ECFCF4C}"/>
                 </a:ext>
                 <a:ext uri="{C183D7F6-B498-43B3-948B-1728B52AA6E4}">
-                  <adec:decorative xmlns="" xmlns:adec="http://schemas.microsoft.com/office/drawing/2017/decorative" val="1"/>
+                  <adec:decorative xmlns:adec="http://schemas.microsoft.com/office/drawing/2017/decorative" val="1"/>
                 </a:ext>
               </a:extLst>
             </p:cNvPr>
@@ -10281,7 +10275,7 @@
                   <a16:creationId xmlns:a16="http://schemas.microsoft.com/office/drawing/2014/main" id="{F14DFC82-B3B3-468E-91B3-1302CFC68468}"/>
                 </a:ext>
                 <a:ext uri="{C183D7F6-B498-43B3-948B-1728B52AA6E4}">
-                  <adec:decorative xmlns="" xmlns:adec="http://schemas.microsoft.com/office/drawing/2017/decorative" val="1"/>
+                  <adec:decorative xmlns:adec="http://schemas.microsoft.com/office/drawing/2017/decorative" val="1"/>
                 </a:ext>
               </a:extLst>
             </p:cNvPr>
@@ -10368,7 +10362,7 @@
                   <a16:creationId xmlns:a16="http://schemas.microsoft.com/office/drawing/2014/main" id="{D3250EFE-214E-4B8E-AF96-036A514FFB2D}"/>
                 </a:ext>
                 <a:ext uri="{C183D7F6-B498-43B3-948B-1728B52AA6E4}">
-                  <adec:decorative xmlns="" xmlns:adec="http://schemas.microsoft.com/office/drawing/2017/decorative" val="1"/>
+                  <adec:decorative xmlns:adec="http://schemas.microsoft.com/office/drawing/2017/decorative" val="1"/>
                 </a:ext>
               </a:extLst>
             </p:cNvPr>
@@ -10455,7 +10449,7 @@
                   <a16:creationId xmlns:a16="http://schemas.microsoft.com/office/drawing/2014/main" id="{AD058EBE-D4A5-4C43-B170-6A451F87A7B2}"/>
                 </a:ext>
                 <a:ext uri="{C183D7F6-B498-43B3-948B-1728B52AA6E4}">
-                  <adec:decorative xmlns="" xmlns:adec="http://schemas.microsoft.com/office/drawing/2017/decorative" val="1"/>
+                  <adec:decorative xmlns:adec="http://schemas.microsoft.com/office/drawing/2017/decorative" val="1"/>
                 </a:ext>
               </a:extLst>
             </p:cNvPr>
@@ -10543,7 +10537,7 @@
                 <a16:creationId xmlns:a16="http://schemas.microsoft.com/office/drawing/2014/main" id="{033BC44A-0661-43B4-9C14-FD5963C226AE}"/>
               </a:ext>
               <a:ext uri="{C183D7F6-B498-43B3-948B-1728B52AA6E4}">
-                <adec:decorative xmlns="" xmlns:adec="http://schemas.microsoft.com/office/drawing/2017/decorative" val="1"/>
+                <adec:decorative xmlns:adec="http://schemas.microsoft.com/office/drawing/2017/decorative" val="1"/>
               </a:ext>
             </a:extLst>
           </p:cNvPr>
@@ -10611,7 +10605,7 @@
                 <a16:creationId xmlns:a16="http://schemas.microsoft.com/office/drawing/2014/main" id="{BE8CB2F0-2F5A-4EBD-B214-E0309C31F578}"/>
               </a:ext>
               <a:ext uri="{C183D7F6-B498-43B3-948B-1728B52AA6E4}">
-                <adec:decorative xmlns="" xmlns:adec="http://schemas.microsoft.com/office/drawing/2017/decorative" val="1"/>
+                <adec:decorative xmlns:adec="http://schemas.microsoft.com/office/drawing/2017/decorative" val="1"/>
               </a:ext>
             </a:extLst>
           </p:cNvPr>
@@ -10683,7 +10677,7 @@
                 <a16:creationId xmlns:a16="http://schemas.microsoft.com/office/drawing/2014/main" id="{FFD3887D-244B-4EC4-9208-E304984C5D0F}"/>
               </a:ext>
               <a:ext uri="{C183D7F6-B498-43B3-948B-1728B52AA6E4}">
-                <adec:decorative xmlns="" xmlns:adec="http://schemas.microsoft.com/office/drawing/2017/decorative" val="1"/>
+                <adec:decorative xmlns:adec="http://schemas.microsoft.com/office/drawing/2017/decorative" val="1"/>
               </a:ext>
             </a:extLst>
           </p:cNvPr>
@@ -10832,7 +10826,7 @@
                 <a16:creationId xmlns:a16="http://schemas.microsoft.com/office/drawing/2014/main" id="{97224C31-855E-4593-8A58-5B2B0CC4F537}"/>
               </a:ext>
               <a:ext uri="{C183D7F6-B498-43B3-948B-1728B52AA6E4}">
-                <adec:decorative xmlns="" xmlns:adec="http://schemas.microsoft.com/office/drawing/2017/decorative" val="1"/>
+                <adec:decorative xmlns:adec="http://schemas.microsoft.com/office/drawing/2017/decorative" val="1"/>
               </a:ext>
             </a:extLst>
           </p:cNvPr>
@@ -11034,16 +11028,8 @@
           <a:lstStyle/>
           <a:p>
             <a:r>
-              <a:rPr lang="es-CO" dirty="0" smtClean="0"/>
-              <a:t>6. Elabore </a:t>
-            </a:r>
-            <a:r>
               <a:rPr lang="es-CO" dirty="0"/>
-              <a:t>una tabla con las características comunes que proporcionan los servidores web más comunes en 2019 según la encuesta </a:t>
-            </a:r>
-            <a:r>
-              <a:rPr lang="es-CO" dirty="0" smtClean="0"/>
-              <a:t>revisada</a:t>
+              <a:t>6. Elabore una tabla con las características comunes que proporcionan los servidores web más comunes en 2019 según la encuesta revisada</a:t>
             </a:r>
             <a:endParaRPr lang="es-MX" b="0" i="0" dirty="0">
               <a:solidFill>
@@ -11077,7 +11063,7 @@
         </p:nvGraphicFramePr>
         <p:xfrm>
           <a:off x="723900" y="2136870"/>
-          <a:ext cx="10515599" cy="4100322"/>
+          <a:ext cx="10515599" cy="4102608"/>
         </p:xfrm>
         <a:graphic>
           <a:graphicData uri="http://schemas.openxmlformats.org/drawingml/2006/table">
@@ -11571,16 +11557,8 @@
           <a:lstStyle/>
           <a:p>
             <a:r>
-              <a:rPr lang="es-CO" dirty="0" smtClean="0"/>
-              <a:t>6. Elabore </a:t>
-            </a:r>
-            <a:r>
               <a:rPr lang="es-CO" dirty="0"/>
-              <a:t>una tabla con las características comunes que proporcionan los servidores web más comunes en 2019 según la encuesta </a:t>
-            </a:r>
-            <a:r>
-              <a:rPr lang="es-CO" dirty="0" smtClean="0"/>
-              <a:t>revisada</a:t>
+              <a:t>6. Elabore una tabla con las características comunes que proporcionan los servidores web más comunes en 2019 según la encuesta revisada</a:t>
             </a:r>
             <a:endParaRPr lang="es-MX" b="0" i="0" dirty="0">
               <a:solidFill>
@@ -11614,7 +11592,7 @@
         </p:nvGraphicFramePr>
         <p:xfrm>
           <a:off x="723900" y="2136870"/>
-          <a:ext cx="10515599" cy="4134804"/>
+          <a:ext cx="10515599" cy="4102608"/>
         </p:xfrm>
         <a:graphic>
           <a:graphicData uri="http://schemas.openxmlformats.org/drawingml/2006/table">
@@ -11825,22 +11803,16 @@
                         <a:t>Es el web server de referencia para Internet. Apache HTTP server nació en Abril de 1996 y hasta el día de hoy sigue vigente. Durante los pasados 25 años fue el líder indiscutido de los servidores web, hasta que </a:t>
                       </a:r>
                       <a:r>
-                        <a:rPr lang="es-CO" sz="1400" dirty="0" err="1" smtClean="0">
+                        <a:rPr lang="es-CO" sz="1400" dirty="0" err="1">
                           <a:effectLst/>
                         </a:rPr>
                         <a:t>comenó</a:t>
                       </a:r>
                       <a:r>
-                        <a:rPr lang="es-CO" sz="1400" dirty="0" smtClean="0">
-                          <a:effectLst/>
-                        </a:rPr>
-                        <a:t> </a:t>
-                      </a:r>
-                      <a:r>
                         <a:rPr lang="es-CO" sz="1400" dirty="0">
                           <a:effectLst/>
                         </a:rPr>
-                        <a:t>a perder popularidad frente a Microsoft IIS y Nginx</a:t>
+                        <a:t> a perder popularidad frente a Microsoft IIS y Nginx</a:t>
                       </a:r>
                       <a:endParaRPr lang="es-CO" sz="1200" dirty="0">
                         <a:effectLst/>
@@ -12126,16 +12098,8 @@
           <a:lstStyle/>
           <a:p>
             <a:r>
-              <a:rPr lang="es-CO" dirty="0" smtClean="0"/>
-              <a:t>6. Elabore </a:t>
-            </a:r>
-            <a:r>
               <a:rPr lang="es-CO" dirty="0"/>
-              <a:t>una tabla con las características comunes que proporcionan los servidores web más comunes en 2019 según la encuesta </a:t>
-            </a:r>
-            <a:r>
-              <a:rPr lang="es-CO" dirty="0" smtClean="0"/>
-              <a:t>revisada</a:t>
+              <a:t>6. Elabore una tabla con las características comunes que proporcionan los servidores web más comunes en 2019 según la encuesta revisada</a:t>
             </a:r>
             <a:endParaRPr lang="es-MX" b="0" i="0" dirty="0">
               <a:solidFill>
@@ -12169,7 +12133,7 @@
         </p:nvGraphicFramePr>
         <p:xfrm>
           <a:off x="723901" y="1981200"/>
-          <a:ext cx="10515599" cy="4568381"/>
+          <a:ext cx="10515599" cy="4569905"/>
         </p:xfrm>
         <a:graphic>
           <a:graphicData uri="http://schemas.openxmlformats.org/drawingml/2006/table">
@@ -12516,16 +12480,8 @@
           <a:lstStyle/>
           <a:p>
             <a:r>
-              <a:rPr lang="es-CO" dirty="0" smtClean="0"/>
-              <a:t>6. Elabore </a:t>
-            </a:r>
-            <a:r>
               <a:rPr lang="es-CO" dirty="0"/>
-              <a:t>una tabla con las características comunes que proporcionan los servidores web más comunes en 2019 según la encuesta </a:t>
-            </a:r>
-            <a:r>
-              <a:rPr lang="es-CO" dirty="0" smtClean="0"/>
-              <a:t>revisada</a:t>
+              <a:t>6. Elabore una tabla con las características comunes que proporcionan los servidores web más comunes en 2019 según la encuesta revisada</a:t>
             </a:r>
             <a:endParaRPr lang="es-MX" b="0" i="0" dirty="0">
               <a:solidFill>
@@ -12559,7 +12515,7 @@
         </p:nvGraphicFramePr>
         <p:xfrm>
           <a:off x="1003300" y="2396712"/>
-          <a:ext cx="10515599" cy="2277428"/>
+          <a:ext cx="10515599" cy="2278063"/>
         </p:xfrm>
         <a:graphic>
           <a:graphicData uri="http://schemas.openxmlformats.org/drawingml/2006/table">
@@ -12822,15 +12778,7 @@
           <a:p>
             <a:r>
               <a:rPr lang="es-CO" dirty="0"/>
-              <a:t>7</a:t>
-            </a:r>
-            <a:r>
-              <a:rPr lang="es-CO" dirty="0" smtClean="0"/>
-              <a:t>. </a:t>
-            </a:r>
-            <a:r>
-              <a:rPr lang="es-CO" dirty="0"/>
-              <a:t>Encuentre en Internet al menos un sitio web que use cada uno de los servidores web vistos en la guía. </a:t>
+              <a:t>7. Encuentre en Internet al menos un sitio web que use cada uno de los servidores web vistos en la guía. </a:t>
             </a:r>
           </a:p>
           <a:p>
@@ -12959,22 +12907,22 @@
         </p:nvSpPr>
         <p:spPr>
           <a:xfrm>
-            <a:off x="1933279" y="5072465"/>
-            <a:ext cx="2172454" cy="369332"/>
+            <a:off x="904013" y="5148720"/>
+            <a:ext cx="3945082" cy="646331"/>
           </a:xfrm>
           <a:prstGeom prst="rect">
             <a:avLst/>
           </a:prstGeom>
         </p:spPr>
         <p:txBody>
-          <a:bodyPr wrap="none">
+          <a:bodyPr wrap="square">
             <a:spAutoFit/>
           </a:bodyPr>
           <a:lstStyle/>
           <a:p>
             <a:r>
               <a:rPr lang="es-CO" dirty="0"/>
-              <a:t>www.facebook.com</a:t>
+              <a:t>https://archive.codeplex.com/?p=flickrxplorer</a:t>
             </a:r>
           </a:p>
         </p:txBody>
@@ -13273,6 +13221,14 @@
 <file path=ppt/slides/slide15.xml><?xml version="1.0" encoding="utf-8"?>
 <p:sld xmlns:a="http://schemas.openxmlformats.org/drawingml/2006/main" xmlns:r="http://schemas.openxmlformats.org/officeDocument/2006/relationships" xmlns:p="http://schemas.openxmlformats.org/presentationml/2006/main">
   <p:cSld>
+    <p:bg>
+      <p:bgPr>
+        <a:solidFill>
+          <a:schemeClr val="bg1"/>
+        </a:solidFill>
+        <a:effectLst/>
+      </p:bgPr>
+    </p:bg>
     <p:spTree>
       <p:nvGrpSpPr>
         <p:cNvPr id="1" name=""/>
@@ -13287,6 +13243,860 @@
           <a:chExt cx="0" cy="0"/>
         </a:xfrm>
       </p:grpSpPr>
+      <p:sp useBgFill="1">
+        <p:nvSpPr>
+          <p:cNvPr id="71" name="Rectangle 70">
+            <a:extLst>
+              <a:ext uri="{FF2B5EF4-FFF2-40B4-BE49-F238E27FC236}">
+                <a16:creationId xmlns:a16="http://schemas.microsoft.com/office/drawing/2014/main" id="{5A0118C5-4F8D-4CF4-BADD-53FEACC6C42A}"/>
+              </a:ext>
+              <a:ext uri="{C183D7F6-B498-43B3-948B-1728B52AA6E4}">
+                <adec:decorative xmlns:adec="http://schemas.microsoft.com/office/drawing/2017/decorative" val="1"/>
+              </a:ext>
+            </a:extLst>
+          </p:cNvPr>
+          <p:cNvSpPr>
+            <a:spLocks noGrp="1" noRot="1" noChangeAspect="1" noMove="1" noResize="1" noEditPoints="1" noAdjustHandles="1" noChangeArrowheads="1" noChangeShapeType="1" noTextEdit="1"/>
+          </p:cNvSpPr>
+          <p:nvPr>
+            <p:extLst>
+              <p:ext uri="{386F3935-93C4-4BCD-93E2-E3B085C9AB24}">
+                <p16:designElem xmlns:p16="http://schemas.microsoft.com/office/powerpoint/2015/main" val="1"/>
+              </p:ext>
+            </p:extLst>
+          </p:nvPr>
+        </p:nvSpPr>
+        <p:spPr>
+          <a:xfrm>
+            <a:off x="0" y="0"/>
+            <a:ext cx="12192000" cy="6858000"/>
+          </a:xfrm>
+          <a:prstGeom prst="rect">
+            <a:avLst/>
+          </a:prstGeom>
+          <a:ln>
+            <a:noFill/>
+          </a:ln>
+        </p:spPr>
+        <p:style>
+          <a:lnRef idx="2">
+            <a:schemeClr val="accent1">
+              <a:shade val="50000"/>
+            </a:schemeClr>
+          </a:lnRef>
+          <a:fillRef idx="1">
+            <a:schemeClr val="accent1"/>
+          </a:fillRef>
+          <a:effectRef idx="0">
+            <a:schemeClr val="accent1"/>
+          </a:effectRef>
+          <a:fontRef idx="minor">
+            <a:schemeClr val="lt1"/>
+          </a:fontRef>
+        </p:style>
+        <p:txBody>
+          <a:bodyPr rtlCol="0" anchor="ctr"/>
+          <a:lstStyle/>
+          <a:p>
+            <a:pPr algn="ctr"/>
+            <a:endParaRPr lang="en-US" dirty="0"/>
+          </a:p>
+        </p:txBody>
+      </p:sp>
+      <p:sp>
+        <p:nvSpPr>
+          <p:cNvPr id="73" name="Freeform: Shape 72">
+            <a:extLst>
+              <a:ext uri="{FF2B5EF4-FFF2-40B4-BE49-F238E27FC236}">
+                <a16:creationId xmlns:a16="http://schemas.microsoft.com/office/drawing/2014/main" id="{3C1D1FA3-6212-4B97-9B1E-C7F81247C2B9}"/>
+              </a:ext>
+              <a:ext uri="{C183D7F6-B498-43B3-948B-1728B52AA6E4}">
+                <adec:decorative xmlns:adec="http://schemas.microsoft.com/office/drawing/2017/decorative" val="1"/>
+              </a:ext>
+            </a:extLst>
+          </p:cNvPr>
+          <p:cNvSpPr>
+            <a:spLocks noGrp="1" noRot="1" noChangeAspect="1" noMove="1" noResize="1" noEditPoints="1" noAdjustHandles="1" noChangeArrowheads="1" noChangeShapeType="1" noTextEdit="1"/>
+          </p:cNvSpPr>
+          <p:nvPr>
+            <p:extLst>
+              <p:ext uri="{386F3935-93C4-4BCD-93E2-E3B085C9AB24}">
+                <p16:designElem xmlns:p16="http://schemas.microsoft.com/office/powerpoint/2015/main" val="1"/>
+              </p:ext>
+            </p:extLst>
+          </p:nvPr>
+        </p:nvSpPr>
+        <p:spPr>
+          <a:xfrm>
+            <a:off x="1" y="2"/>
+            <a:ext cx="2232251" cy="2361890"/>
+          </a:xfrm>
+          <a:custGeom>
+            <a:avLst/>
+            <a:gdLst>
+              <a:gd name="connsiteX0" fmla="*/ 2292284 w 3871489"/>
+              <a:gd name="connsiteY0" fmla="*/ 0 h 4096327"/>
+              <a:gd name="connsiteX1" fmla="*/ 3500914 w 3871489"/>
+              <a:gd name="connsiteY1" fmla="*/ 0 h 4096327"/>
+              <a:gd name="connsiteX2" fmla="*/ 3542229 w 3871489"/>
+              <a:gd name="connsiteY2" fmla="*/ 68006 h 4096327"/>
+              <a:gd name="connsiteX3" fmla="*/ 3871489 w 3871489"/>
+              <a:gd name="connsiteY3" fmla="*/ 1368323 h 4096327"/>
+              <a:gd name="connsiteX4" fmla="*/ 1143485 w 3871489"/>
+              <a:gd name="connsiteY4" fmla="*/ 4096327 h 4096327"/>
+              <a:gd name="connsiteX5" fmla="*/ 81633 w 3871489"/>
+              <a:gd name="connsiteY5" fmla="*/ 3881944 h 4096327"/>
+              <a:gd name="connsiteX6" fmla="*/ 0 w 3871489"/>
+              <a:gd name="connsiteY6" fmla="*/ 3842618 h 4096327"/>
+              <a:gd name="connsiteX7" fmla="*/ 0 w 3871489"/>
+              <a:gd name="connsiteY7" fmla="*/ 2741475 h 4096327"/>
+              <a:gd name="connsiteX8" fmla="*/ 6615 w 3871489"/>
+              <a:gd name="connsiteY8" fmla="*/ 2747487 h 4096327"/>
+              <a:gd name="connsiteX9" fmla="*/ 1143485 w 3871489"/>
+              <a:gd name="connsiteY9" fmla="*/ 3155655 h 4096327"/>
+              <a:gd name="connsiteX10" fmla="*/ 2930817 w 3871489"/>
+              <a:gd name="connsiteY10" fmla="*/ 1368323 h 4096327"/>
+              <a:gd name="connsiteX11" fmla="*/ 2407287 w 3871489"/>
+              <a:gd name="connsiteY11" fmla="*/ 104524 h 4096327"/>
+            </a:gdLst>
+            <a:ahLst/>
+            <a:cxnLst>
+              <a:cxn ang="0">
+                <a:pos x="connsiteX0" y="connsiteY0"/>
+              </a:cxn>
+              <a:cxn ang="0">
+                <a:pos x="connsiteX1" y="connsiteY1"/>
+              </a:cxn>
+              <a:cxn ang="0">
+                <a:pos x="connsiteX2" y="connsiteY2"/>
+              </a:cxn>
+              <a:cxn ang="0">
+                <a:pos x="connsiteX3" y="connsiteY3"/>
+              </a:cxn>
+              <a:cxn ang="0">
+                <a:pos x="connsiteX4" y="connsiteY4"/>
+              </a:cxn>
+              <a:cxn ang="0">
+                <a:pos x="connsiteX5" y="connsiteY5"/>
+              </a:cxn>
+              <a:cxn ang="0">
+                <a:pos x="connsiteX6" y="connsiteY6"/>
+              </a:cxn>
+              <a:cxn ang="0">
+                <a:pos x="connsiteX7" y="connsiteY7"/>
+              </a:cxn>
+              <a:cxn ang="0">
+                <a:pos x="connsiteX8" y="connsiteY8"/>
+              </a:cxn>
+              <a:cxn ang="0">
+                <a:pos x="connsiteX9" y="connsiteY9"/>
+              </a:cxn>
+              <a:cxn ang="0">
+                <a:pos x="connsiteX10" y="connsiteY10"/>
+              </a:cxn>
+              <a:cxn ang="0">
+                <a:pos x="connsiteX11" y="connsiteY11"/>
+              </a:cxn>
+            </a:cxnLst>
+            <a:rect l="l" t="t" r="r" b="b"/>
+            <a:pathLst>
+              <a:path w="3871489" h="4096327">
+                <a:moveTo>
+                  <a:pt x="2292284" y="0"/>
+                </a:moveTo>
+                <a:lnTo>
+                  <a:pt x="3500914" y="0"/>
+                </a:lnTo>
+                <a:lnTo>
+                  <a:pt x="3542229" y="68006"/>
+                </a:lnTo>
+                <a:cubicBezTo>
+                  <a:pt x="3752213" y="454545"/>
+                  <a:pt x="3871489" y="897507"/>
+                  <a:pt x="3871489" y="1368323"/>
+                </a:cubicBezTo>
+                <a:cubicBezTo>
+                  <a:pt x="3871489" y="2874936"/>
+                  <a:pt x="2650098" y="4096327"/>
+                  <a:pt x="1143485" y="4096327"/>
+                </a:cubicBezTo>
+                <a:cubicBezTo>
+                  <a:pt x="766832" y="4096327"/>
+                  <a:pt x="408006" y="4019990"/>
+                  <a:pt x="81633" y="3881944"/>
+                </a:cubicBezTo>
+                <a:lnTo>
+                  <a:pt x="0" y="3842618"/>
+                </a:lnTo>
+                <a:lnTo>
+                  <a:pt x="0" y="2741475"/>
+                </a:lnTo>
+                <a:lnTo>
+                  <a:pt x="6615" y="2747487"/>
+                </a:lnTo>
+                <a:cubicBezTo>
+                  <a:pt x="315579" y="3002472"/>
+                  <a:pt x="711663" y="3155655"/>
+                  <a:pt x="1143485" y="3155655"/>
+                </a:cubicBezTo>
+                <a:cubicBezTo>
+                  <a:pt x="2130515" y="3155655"/>
+                  <a:pt x="2930817" y="2355353"/>
+                  <a:pt x="2930817" y="1368323"/>
+                </a:cubicBezTo>
+                <a:cubicBezTo>
+                  <a:pt x="2930817" y="874812"/>
+                  <a:pt x="2730741" y="427979"/>
+                  <a:pt x="2407287" y="104524"/>
+                </a:cubicBezTo>
+                <a:close/>
+              </a:path>
+            </a:pathLst>
+          </a:custGeom>
+          <a:solidFill>
+            <a:srgbClr val="FFFFFF"/>
+          </a:solidFill>
+          <a:ln w="28575">
+            <a:noFill/>
+          </a:ln>
+        </p:spPr>
+        <p:style>
+          <a:lnRef idx="2">
+            <a:schemeClr val="accent1">
+              <a:shade val="50000"/>
+            </a:schemeClr>
+          </a:lnRef>
+          <a:fillRef idx="1">
+            <a:schemeClr val="accent1"/>
+          </a:fillRef>
+          <a:effectRef idx="0">
+            <a:schemeClr val="accent1"/>
+          </a:effectRef>
+          <a:fontRef idx="minor">
+            <a:schemeClr val="lt1"/>
+          </a:fontRef>
+        </p:style>
+        <p:txBody>
+          <a:bodyPr rot="0" spcFirstLastPara="0" vertOverflow="overflow" horzOverflow="overflow" vert="horz" wrap="square" lIns="91440" tIns="45720" rIns="91440" bIns="45720" numCol="1" spcCol="0" rtlCol="0" fromWordArt="0" anchor="ctr" anchorCtr="0" forceAA="0" compatLnSpc="1">
+            <a:prstTxWarp prst="textNoShape">
+              <a:avLst/>
+            </a:prstTxWarp>
+            <a:noAutofit/>
+          </a:bodyPr>
+          <a:lstStyle/>
+          <a:p>
+            <a:pPr algn="ctr"/>
+            <a:endParaRPr lang="en-US">
+              <a:solidFill>
+                <a:schemeClr val="accent1"/>
+              </a:solidFill>
+            </a:endParaRPr>
+          </a:p>
+        </p:txBody>
+      </p:sp>
+      <p:sp>
+        <p:nvSpPr>
+          <p:cNvPr id="75" name="Freeform: Shape 74">
+            <a:extLst>
+              <a:ext uri="{FF2B5EF4-FFF2-40B4-BE49-F238E27FC236}">
+                <a16:creationId xmlns:a16="http://schemas.microsoft.com/office/drawing/2014/main" id="{11C51958-04D4-4687-95A2-95DCDCF47464}"/>
+              </a:ext>
+              <a:ext uri="{C183D7F6-B498-43B3-948B-1728B52AA6E4}">
+                <adec:decorative xmlns:adec="http://schemas.microsoft.com/office/drawing/2017/decorative" val="1"/>
+              </a:ext>
+            </a:extLst>
+          </p:cNvPr>
+          <p:cNvSpPr>
+            <a:spLocks noGrp="1" noRot="1" noChangeAspect="1" noMove="1" noResize="1" noEditPoints="1" noAdjustHandles="1" noChangeArrowheads="1" noChangeShapeType="1" noTextEdit="1"/>
+          </p:cNvSpPr>
+          <p:nvPr>
+            <p:extLst>
+              <p:ext uri="{386F3935-93C4-4BCD-93E2-E3B085C9AB24}">
+                <p16:designElem xmlns:p16="http://schemas.microsoft.com/office/powerpoint/2015/main" val="1"/>
+              </p:ext>
+            </p:extLst>
+          </p:nvPr>
+        </p:nvSpPr>
+        <p:spPr>
+          <a:xfrm>
+            <a:off x="1" y="2"/>
+            <a:ext cx="2232251" cy="2361890"/>
+          </a:xfrm>
+          <a:custGeom>
+            <a:avLst/>
+            <a:gdLst>
+              <a:gd name="connsiteX0" fmla="*/ 2292284 w 3871489"/>
+              <a:gd name="connsiteY0" fmla="*/ 0 h 4096327"/>
+              <a:gd name="connsiteX1" fmla="*/ 3500914 w 3871489"/>
+              <a:gd name="connsiteY1" fmla="*/ 0 h 4096327"/>
+              <a:gd name="connsiteX2" fmla="*/ 3542229 w 3871489"/>
+              <a:gd name="connsiteY2" fmla="*/ 68006 h 4096327"/>
+              <a:gd name="connsiteX3" fmla="*/ 3871489 w 3871489"/>
+              <a:gd name="connsiteY3" fmla="*/ 1368323 h 4096327"/>
+              <a:gd name="connsiteX4" fmla="*/ 1143485 w 3871489"/>
+              <a:gd name="connsiteY4" fmla="*/ 4096327 h 4096327"/>
+              <a:gd name="connsiteX5" fmla="*/ 81633 w 3871489"/>
+              <a:gd name="connsiteY5" fmla="*/ 3881944 h 4096327"/>
+              <a:gd name="connsiteX6" fmla="*/ 0 w 3871489"/>
+              <a:gd name="connsiteY6" fmla="*/ 3842618 h 4096327"/>
+              <a:gd name="connsiteX7" fmla="*/ 0 w 3871489"/>
+              <a:gd name="connsiteY7" fmla="*/ 2741475 h 4096327"/>
+              <a:gd name="connsiteX8" fmla="*/ 6615 w 3871489"/>
+              <a:gd name="connsiteY8" fmla="*/ 2747487 h 4096327"/>
+              <a:gd name="connsiteX9" fmla="*/ 1143485 w 3871489"/>
+              <a:gd name="connsiteY9" fmla="*/ 3155655 h 4096327"/>
+              <a:gd name="connsiteX10" fmla="*/ 2930817 w 3871489"/>
+              <a:gd name="connsiteY10" fmla="*/ 1368323 h 4096327"/>
+              <a:gd name="connsiteX11" fmla="*/ 2407287 w 3871489"/>
+              <a:gd name="connsiteY11" fmla="*/ 104524 h 4096327"/>
+            </a:gdLst>
+            <a:ahLst/>
+            <a:cxnLst>
+              <a:cxn ang="0">
+                <a:pos x="connsiteX0" y="connsiteY0"/>
+              </a:cxn>
+              <a:cxn ang="0">
+                <a:pos x="connsiteX1" y="connsiteY1"/>
+              </a:cxn>
+              <a:cxn ang="0">
+                <a:pos x="connsiteX2" y="connsiteY2"/>
+              </a:cxn>
+              <a:cxn ang="0">
+                <a:pos x="connsiteX3" y="connsiteY3"/>
+              </a:cxn>
+              <a:cxn ang="0">
+                <a:pos x="connsiteX4" y="connsiteY4"/>
+              </a:cxn>
+              <a:cxn ang="0">
+                <a:pos x="connsiteX5" y="connsiteY5"/>
+              </a:cxn>
+              <a:cxn ang="0">
+                <a:pos x="connsiteX6" y="connsiteY6"/>
+              </a:cxn>
+              <a:cxn ang="0">
+                <a:pos x="connsiteX7" y="connsiteY7"/>
+              </a:cxn>
+              <a:cxn ang="0">
+                <a:pos x="connsiteX8" y="connsiteY8"/>
+              </a:cxn>
+              <a:cxn ang="0">
+                <a:pos x="connsiteX9" y="connsiteY9"/>
+              </a:cxn>
+              <a:cxn ang="0">
+                <a:pos x="connsiteX10" y="connsiteY10"/>
+              </a:cxn>
+              <a:cxn ang="0">
+                <a:pos x="connsiteX11" y="connsiteY11"/>
+              </a:cxn>
+            </a:cxnLst>
+            <a:rect l="l" t="t" r="r" b="b"/>
+            <a:pathLst>
+              <a:path w="3871489" h="4096327">
+                <a:moveTo>
+                  <a:pt x="2292284" y="0"/>
+                </a:moveTo>
+                <a:lnTo>
+                  <a:pt x="3500914" y="0"/>
+                </a:lnTo>
+                <a:lnTo>
+                  <a:pt x="3542229" y="68006"/>
+                </a:lnTo>
+                <a:cubicBezTo>
+                  <a:pt x="3752213" y="454545"/>
+                  <a:pt x="3871489" y="897507"/>
+                  <a:pt x="3871489" y="1368323"/>
+                </a:cubicBezTo>
+                <a:cubicBezTo>
+                  <a:pt x="3871489" y="2874936"/>
+                  <a:pt x="2650098" y="4096327"/>
+                  <a:pt x="1143485" y="4096327"/>
+                </a:cubicBezTo>
+                <a:cubicBezTo>
+                  <a:pt x="766832" y="4096327"/>
+                  <a:pt x="408006" y="4019990"/>
+                  <a:pt x="81633" y="3881944"/>
+                </a:cubicBezTo>
+                <a:lnTo>
+                  <a:pt x="0" y="3842618"/>
+                </a:lnTo>
+                <a:lnTo>
+                  <a:pt x="0" y="2741475"/>
+                </a:lnTo>
+                <a:lnTo>
+                  <a:pt x="6615" y="2747487"/>
+                </a:lnTo>
+                <a:cubicBezTo>
+                  <a:pt x="315579" y="3002472"/>
+                  <a:pt x="711663" y="3155655"/>
+                  <a:pt x="1143485" y="3155655"/>
+                </a:cubicBezTo>
+                <a:cubicBezTo>
+                  <a:pt x="2130515" y="3155655"/>
+                  <a:pt x="2930817" y="2355353"/>
+                  <a:pt x="2930817" y="1368323"/>
+                </a:cubicBezTo>
+                <a:cubicBezTo>
+                  <a:pt x="2930817" y="874812"/>
+                  <a:pt x="2730741" y="427979"/>
+                  <a:pt x="2407287" y="104524"/>
+                </a:cubicBezTo>
+                <a:close/>
+              </a:path>
+            </a:pathLst>
+          </a:custGeom>
+          <a:solidFill>
+            <a:schemeClr val="accent3">
+              <a:alpha val="20000"/>
+            </a:schemeClr>
+          </a:solidFill>
+          <a:ln w="28575">
+            <a:noFill/>
+          </a:ln>
+        </p:spPr>
+        <p:style>
+          <a:lnRef idx="2">
+            <a:schemeClr val="accent1">
+              <a:shade val="50000"/>
+            </a:schemeClr>
+          </a:lnRef>
+          <a:fillRef idx="1">
+            <a:schemeClr val="accent1"/>
+          </a:fillRef>
+          <a:effectRef idx="0">
+            <a:schemeClr val="accent1"/>
+          </a:effectRef>
+          <a:fontRef idx="minor">
+            <a:schemeClr val="lt1"/>
+          </a:fontRef>
+        </p:style>
+        <p:txBody>
+          <a:bodyPr rot="0" spcFirstLastPara="0" vertOverflow="overflow" horzOverflow="overflow" vert="horz" wrap="square" lIns="91440" tIns="45720" rIns="91440" bIns="45720" numCol="1" spcCol="0" rtlCol="0" fromWordArt="0" anchor="ctr" anchorCtr="0" forceAA="0" compatLnSpc="1">
+            <a:prstTxWarp prst="textNoShape">
+              <a:avLst/>
+            </a:prstTxWarp>
+            <a:noAutofit/>
+          </a:bodyPr>
+          <a:lstStyle/>
+          <a:p>
+            <a:pPr algn="ctr"/>
+            <a:endParaRPr lang="en-US">
+              <a:solidFill>
+                <a:schemeClr val="accent1"/>
+              </a:solidFill>
+            </a:endParaRPr>
+          </a:p>
+        </p:txBody>
+      </p:sp>
+      <p:sp>
+        <p:nvSpPr>
+          <p:cNvPr id="77" name="Freeform: Shape 76">
+            <a:extLst>
+              <a:ext uri="{FF2B5EF4-FFF2-40B4-BE49-F238E27FC236}">
+                <a16:creationId xmlns:a16="http://schemas.microsoft.com/office/drawing/2014/main" id="{79AFCB35-9C04-4524-A0B1-57FF6865D013}"/>
+              </a:ext>
+              <a:ext uri="{C183D7F6-B498-43B3-948B-1728B52AA6E4}">
+                <adec:decorative xmlns:adec="http://schemas.microsoft.com/office/drawing/2017/decorative" val="1"/>
+              </a:ext>
+            </a:extLst>
+          </p:cNvPr>
+          <p:cNvSpPr>
+            <a:spLocks noGrp="1" noRot="1" noChangeAspect="1" noMove="1" noResize="1" noEditPoints="1" noAdjustHandles="1" noChangeArrowheads="1" noChangeShapeType="1" noTextEdit="1"/>
+          </p:cNvSpPr>
+          <p:nvPr>
+            <p:extLst>
+              <p:ext uri="{386F3935-93C4-4BCD-93E2-E3B085C9AB24}">
+                <p16:designElem xmlns:p16="http://schemas.microsoft.com/office/powerpoint/2015/main" val="1"/>
+              </p:ext>
+            </p:extLst>
+          </p:nvPr>
+        </p:nvSpPr>
+        <p:spPr>
+          <a:xfrm>
+            <a:off x="0" y="292656"/>
+            <a:ext cx="1861854" cy="277779"/>
+          </a:xfrm>
+          <a:custGeom>
+            <a:avLst/>
+            <a:gdLst>
+              <a:gd name="connsiteX0" fmla="*/ 180458 w 1861854"/>
+              <a:gd name="connsiteY0" fmla="*/ 0 h 277779"/>
+              <a:gd name="connsiteX1" fmla="*/ 419222 w 1861854"/>
+              <a:gd name="connsiteY1" fmla="*/ 238761 h 277779"/>
+              <a:gd name="connsiteX2" fmla="*/ 657984 w 1861854"/>
+              <a:gd name="connsiteY2" fmla="*/ 0 h 277779"/>
+              <a:gd name="connsiteX3" fmla="*/ 896745 w 1861854"/>
+              <a:gd name="connsiteY3" fmla="*/ 238761 h 277779"/>
+              <a:gd name="connsiteX4" fmla="*/ 1135754 w 1861854"/>
+              <a:gd name="connsiteY4" fmla="*/ 0 h 277779"/>
+              <a:gd name="connsiteX5" fmla="*/ 1374516 w 1861854"/>
+              <a:gd name="connsiteY5" fmla="*/ 238761 h 277779"/>
+              <a:gd name="connsiteX6" fmla="*/ 1613277 w 1861854"/>
+              <a:gd name="connsiteY6" fmla="*/ 0 h 277779"/>
+              <a:gd name="connsiteX7" fmla="*/ 1861854 w 1861854"/>
+              <a:gd name="connsiteY7" fmla="*/ 248577 h 277779"/>
+              <a:gd name="connsiteX8" fmla="*/ 1842470 w 1861854"/>
+              <a:gd name="connsiteY8" fmla="*/ 267963 h 277779"/>
+              <a:gd name="connsiteX9" fmla="*/ 1613277 w 1861854"/>
+              <a:gd name="connsiteY9" fmla="*/ 39017 h 277779"/>
+              <a:gd name="connsiteX10" fmla="*/ 1374516 w 1861854"/>
+              <a:gd name="connsiteY10" fmla="*/ 277779 h 277779"/>
+              <a:gd name="connsiteX11" fmla="*/ 1135754 w 1861854"/>
+              <a:gd name="connsiteY11" fmla="*/ 39017 h 277779"/>
+              <a:gd name="connsiteX12" fmla="*/ 896745 w 1861854"/>
+              <a:gd name="connsiteY12" fmla="*/ 277779 h 277779"/>
+              <a:gd name="connsiteX13" fmla="*/ 657984 w 1861854"/>
+              <a:gd name="connsiteY13" fmla="*/ 39017 h 277779"/>
+              <a:gd name="connsiteX14" fmla="*/ 419222 w 1861854"/>
+              <a:gd name="connsiteY14" fmla="*/ 277779 h 277779"/>
+              <a:gd name="connsiteX15" fmla="*/ 180458 w 1861854"/>
+              <a:gd name="connsiteY15" fmla="*/ 39017 h 277779"/>
+              <a:gd name="connsiteX16" fmla="*/ 0 w 1861854"/>
+              <a:gd name="connsiteY16" fmla="*/ 219283 h 277779"/>
+              <a:gd name="connsiteX17" fmla="*/ 0 w 1861854"/>
+              <a:gd name="connsiteY17" fmla="*/ 180458 h 277779"/>
+            </a:gdLst>
+            <a:ahLst/>
+            <a:cxnLst>
+              <a:cxn ang="0">
+                <a:pos x="connsiteX0" y="connsiteY0"/>
+              </a:cxn>
+              <a:cxn ang="0">
+                <a:pos x="connsiteX1" y="connsiteY1"/>
+              </a:cxn>
+              <a:cxn ang="0">
+                <a:pos x="connsiteX2" y="connsiteY2"/>
+              </a:cxn>
+              <a:cxn ang="0">
+                <a:pos x="connsiteX3" y="connsiteY3"/>
+              </a:cxn>
+              <a:cxn ang="0">
+                <a:pos x="connsiteX4" y="connsiteY4"/>
+              </a:cxn>
+              <a:cxn ang="0">
+                <a:pos x="connsiteX5" y="connsiteY5"/>
+              </a:cxn>
+              <a:cxn ang="0">
+                <a:pos x="connsiteX6" y="connsiteY6"/>
+              </a:cxn>
+              <a:cxn ang="0">
+                <a:pos x="connsiteX7" y="connsiteY7"/>
+              </a:cxn>
+              <a:cxn ang="0">
+                <a:pos x="connsiteX8" y="connsiteY8"/>
+              </a:cxn>
+              <a:cxn ang="0">
+                <a:pos x="connsiteX9" y="connsiteY9"/>
+              </a:cxn>
+              <a:cxn ang="0">
+                <a:pos x="connsiteX10" y="connsiteY10"/>
+              </a:cxn>
+              <a:cxn ang="0">
+                <a:pos x="connsiteX11" y="connsiteY11"/>
+              </a:cxn>
+              <a:cxn ang="0">
+                <a:pos x="connsiteX12" y="connsiteY12"/>
+              </a:cxn>
+              <a:cxn ang="0">
+                <a:pos x="connsiteX13" y="connsiteY13"/>
+              </a:cxn>
+              <a:cxn ang="0">
+                <a:pos x="connsiteX14" y="connsiteY14"/>
+              </a:cxn>
+              <a:cxn ang="0">
+                <a:pos x="connsiteX15" y="connsiteY15"/>
+              </a:cxn>
+              <a:cxn ang="0">
+                <a:pos x="connsiteX16" y="connsiteY16"/>
+              </a:cxn>
+              <a:cxn ang="0">
+                <a:pos x="connsiteX17" y="connsiteY17"/>
+              </a:cxn>
+            </a:cxnLst>
+            <a:rect l="l" t="t" r="r" b="b"/>
+            <a:pathLst>
+              <a:path w="1861854" h="277779">
+                <a:moveTo>
+                  <a:pt x="180458" y="0"/>
+                </a:moveTo>
+                <a:lnTo>
+                  <a:pt x="419222" y="238761"/>
+                </a:lnTo>
+                <a:lnTo>
+                  <a:pt x="657984" y="0"/>
+                </a:lnTo>
+                <a:lnTo>
+                  <a:pt x="896745" y="238761"/>
+                </a:lnTo>
+                <a:lnTo>
+                  <a:pt x="1135754" y="0"/>
+                </a:lnTo>
+                <a:lnTo>
+                  <a:pt x="1374516" y="238761"/>
+                </a:lnTo>
+                <a:lnTo>
+                  <a:pt x="1613277" y="0"/>
+                </a:lnTo>
+                <a:lnTo>
+                  <a:pt x="1861854" y="248577"/>
+                </a:lnTo>
+                <a:lnTo>
+                  <a:pt x="1842470" y="267963"/>
+                </a:lnTo>
+                <a:lnTo>
+                  <a:pt x="1613277" y="39017"/>
+                </a:lnTo>
+                <a:lnTo>
+                  <a:pt x="1374516" y="277779"/>
+                </a:lnTo>
+                <a:lnTo>
+                  <a:pt x="1135754" y="39017"/>
+                </a:lnTo>
+                <a:lnTo>
+                  <a:pt x="896745" y="277779"/>
+                </a:lnTo>
+                <a:lnTo>
+                  <a:pt x="657984" y="39017"/>
+                </a:lnTo>
+                <a:lnTo>
+                  <a:pt x="419222" y="277779"/>
+                </a:lnTo>
+                <a:lnTo>
+                  <a:pt x="180458" y="39017"/>
+                </a:lnTo>
+                <a:lnTo>
+                  <a:pt x="0" y="219283"/>
+                </a:lnTo>
+                <a:lnTo>
+                  <a:pt x="0" y="180458"/>
+                </a:lnTo>
+                <a:close/>
+              </a:path>
+            </a:pathLst>
+          </a:custGeom>
+          <a:solidFill>
+            <a:schemeClr val="tx1"/>
+          </a:solidFill>
+          <a:ln w="9525" cap="flat">
+            <a:noFill/>
+            <a:prstDash val="solid"/>
+            <a:miter/>
+          </a:ln>
+        </p:spPr>
+        <p:txBody>
+          <a:bodyPr wrap="square" rtlCol="0" anchor="ctr">
+            <a:noAutofit/>
+          </a:bodyPr>
+          <a:lstStyle/>
+          <a:p>
+            <a:endParaRPr lang="en-US"/>
+          </a:p>
+        </p:txBody>
+      </p:sp>
+      <p:sp>
+        <p:nvSpPr>
+          <p:cNvPr id="79" name="Freeform: Shape 78">
+            <a:extLst>
+              <a:ext uri="{FF2B5EF4-FFF2-40B4-BE49-F238E27FC236}">
+                <a16:creationId xmlns:a16="http://schemas.microsoft.com/office/drawing/2014/main" id="{D11AD2AD-0BA0-4DD3-8EEA-84686A0E718C}"/>
+              </a:ext>
+              <a:ext uri="{C183D7F6-B498-43B3-948B-1728B52AA6E4}">
+                <adec:decorative xmlns:adec="http://schemas.microsoft.com/office/drawing/2017/decorative" val="1"/>
+              </a:ext>
+            </a:extLst>
+          </p:cNvPr>
+          <p:cNvSpPr>
+            <a:spLocks noGrp="1" noRot="1" noChangeAspect="1" noMove="1" noResize="1" noEditPoints="1" noAdjustHandles="1" noChangeArrowheads="1" noChangeShapeType="1" noTextEdit="1"/>
+          </p:cNvSpPr>
+          <p:nvPr>
+            <p:extLst>
+              <p:ext uri="{386F3935-93C4-4BCD-93E2-E3B085C9AB24}">
+                <p16:designElem xmlns:p16="http://schemas.microsoft.com/office/powerpoint/2015/main" val="1"/>
+              </p:ext>
+            </p:extLst>
+          </p:nvPr>
+        </p:nvSpPr>
+        <p:spPr>
+          <a:xfrm>
+            <a:off x="0" y="732391"/>
+            <a:ext cx="1861854" cy="277779"/>
+          </a:xfrm>
+          <a:custGeom>
+            <a:avLst/>
+            <a:gdLst>
+              <a:gd name="connsiteX0" fmla="*/ 180458 w 1861854"/>
+              <a:gd name="connsiteY0" fmla="*/ 0 h 277779"/>
+              <a:gd name="connsiteX1" fmla="*/ 419222 w 1861854"/>
+              <a:gd name="connsiteY1" fmla="*/ 238761 h 277779"/>
+              <a:gd name="connsiteX2" fmla="*/ 657984 w 1861854"/>
+              <a:gd name="connsiteY2" fmla="*/ 0 h 277779"/>
+              <a:gd name="connsiteX3" fmla="*/ 896745 w 1861854"/>
+              <a:gd name="connsiteY3" fmla="*/ 238761 h 277779"/>
+              <a:gd name="connsiteX4" fmla="*/ 1135754 w 1861854"/>
+              <a:gd name="connsiteY4" fmla="*/ 0 h 277779"/>
+              <a:gd name="connsiteX5" fmla="*/ 1374516 w 1861854"/>
+              <a:gd name="connsiteY5" fmla="*/ 238761 h 277779"/>
+              <a:gd name="connsiteX6" fmla="*/ 1613277 w 1861854"/>
+              <a:gd name="connsiteY6" fmla="*/ 0 h 277779"/>
+              <a:gd name="connsiteX7" fmla="*/ 1861854 w 1861854"/>
+              <a:gd name="connsiteY7" fmla="*/ 248577 h 277779"/>
+              <a:gd name="connsiteX8" fmla="*/ 1842470 w 1861854"/>
+              <a:gd name="connsiteY8" fmla="*/ 268208 h 277779"/>
+              <a:gd name="connsiteX9" fmla="*/ 1613277 w 1861854"/>
+              <a:gd name="connsiteY9" fmla="*/ 39017 h 277779"/>
+              <a:gd name="connsiteX10" fmla="*/ 1374516 w 1861854"/>
+              <a:gd name="connsiteY10" fmla="*/ 277779 h 277779"/>
+              <a:gd name="connsiteX11" fmla="*/ 1135754 w 1861854"/>
+              <a:gd name="connsiteY11" fmla="*/ 39017 h 277779"/>
+              <a:gd name="connsiteX12" fmla="*/ 896745 w 1861854"/>
+              <a:gd name="connsiteY12" fmla="*/ 277779 h 277779"/>
+              <a:gd name="connsiteX13" fmla="*/ 657984 w 1861854"/>
+              <a:gd name="connsiteY13" fmla="*/ 39017 h 277779"/>
+              <a:gd name="connsiteX14" fmla="*/ 419222 w 1861854"/>
+              <a:gd name="connsiteY14" fmla="*/ 277779 h 277779"/>
+              <a:gd name="connsiteX15" fmla="*/ 180458 w 1861854"/>
+              <a:gd name="connsiteY15" fmla="*/ 39017 h 277779"/>
+              <a:gd name="connsiteX16" fmla="*/ 0 w 1861854"/>
+              <a:gd name="connsiteY16" fmla="*/ 219475 h 277779"/>
+              <a:gd name="connsiteX17" fmla="*/ 0 w 1861854"/>
+              <a:gd name="connsiteY17" fmla="*/ 180458 h 277779"/>
+            </a:gdLst>
+            <a:ahLst/>
+            <a:cxnLst>
+              <a:cxn ang="0">
+                <a:pos x="connsiteX0" y="connsiteY0"/>
+              </a:cxn>
+              <a:cxn ang="0">
+                <a:pos x="connsiteX1" y="connsiteY1"/>
+              </a:cxn>
+              <a:cxn ang="0">
+                <a:pos x="connsiteX2" y="connsiteY2"/>
+              </a:cxn>
+              <a:cxn ang="0">
+                <a:pos x="connsiteX3" y="connsiteY3"/>
+              </a:cxn>
+              <a:cxn ang="0">
+                <a:pos x="connsiteX4" y="connsiteY4"/>
+              </a:cxn>
+              <a:cxn ang="0">
+                <a:pos x="connsiteX5" y="connsiteY5"/>
+              </a:cxn>
+              <a:cxn ang="0">
+                <a:pos x="connsiteX6" y="connsiteY6"/>
+              </a:cxn>
+              <a:cxn ang="0">
+                <a:pos x="connsiteX7" y="connsiteY7"/>
+              </a:cxn>
+              <a:cxn ang="0">
+                <a:pos x="connsiteX8" y="connsiteY8"/>
+              </a:cxn>
+              <a:cxn ang="0">
+                <a:pos x="connsiteX9" y="connsiteY9"/>
+              </a:cxn>
+              <a:cxn ang="0">
+                <a:pos x="connsiteX10" y="connsiteY10"/>
+              </a:cxn>
+              <a:cxn ang="0">
+                <a:pos x="connsiteX11" y="connsiteY11"/>
+              </a:cxn>
+              <a:cxn ang="0">
+                <a:pos x="connsiteX12" y="connsiteY12"/>
+              </a:cxn>
+              <a:cxn ang="0">
+                <a:pos x="connsiteX13" y="connsiteY13"/>
+              </a:cxn>
+              <a:cxn ang="0">
+                <a:pos x="connsiteX14" y="connsiteY14"/>
+              </a:cxn>
+              <a:cxn ang="0">
+                <a:pos x="connsiteX15" y="connsiteY15"/>
+              </a:cxn>
+              <a:cxn ang="0">
+                <a:pos x="connsiteX16" y="connsiteY16"/>
+              </a:cxn>
+              <a:cxn ang="0">
+                <a:pos x="connsiteX17" y="connsiteY17"/>
+              </a:cxn>
+            </a:cxnLst>
+            <a:rect l="l" t="t" r="r" b="b"/>
+            <a:pathLst>
+              <a:path w="1861854" h="277779">
+                <a:moveTo>
+                  <a:pt x="180458" y="0"/>
+                </a:moveTo>
+                <a:lnTo>
+                  <a:pt x="419222" y="238761"/>
+                </a:lnTo>
+                <a:lnTo>
+                  <a:pt x="657984" y="0"/>
+                </a:lnTo>
+                <a:lnTo>
+                  <a:pt x="896745" y="238761"/>
+                </a:lnTo>
+                <a:lnTo>
+                  <a:pt x="1135754" y="0"/>
+                </a:lnTo>
+                <a:lnTo>
+                  <a:pt x="1374516" y="238761"/>
+                </a:lnTo>
+                <a:lnTo>
+                  <a:pt x="1613277" y="0"/>
+                </a:lnTo>
+                <a:lnTo>
+                  <a:pt x="1861854" y="248577"/>
+                </a:lnTo>
+                <a:lnTo>
+                  <a:pt x="1842470" y="268208"/>
+                </a:lnTo>
+                <a:lnTo>
+                  <a:pt x="1613277" y="39017"/>
+                </a:lnTo>
+                <a:lnTo>
+                  <a:pt x="1374516" y="277779"/>
+                </a:lnTo>
+                <a:lnTo>
+                  <a:pt x="1135754" y="39017"/>
+                </a:lnTo>
+                <a:lnTo>
+                  <a:pt x="896745" y="277779"/>
+                </a:lnTo>
+                <a:lnTo>
+                  <a:pt x="657984" y="39017"/>
+                </a:lnTo>
+                <a:lnTo>
+                  <a:pt x="419222" y="277779"/>
+                </a:lnTo>
+                <a:lnTo>
+                  <a:pt x="180458" y="39017"/>
+                </a:lnTo>
+                <a:lnTo>
+                  <a:pt x="0" y="219475"/>
+                </a:lnTo>
+                <a:lnTo>
+                  <a:pt x="0" y="180458"/>
+                </a:lnTo>
+                <a:close/>
+              </a:path>
+            </a:pathLst>
+          </a:custGeom>
+          <a:solidFill>
+            <a:schemeClr val="tx1"/>
+          </a:solidFill>
+          <a:ln w="9525" cap="flat">
+            <a:noFill/>
+            <a:prstDash val="solid"/>
+            <a:miter/>
+          </a:ln>
+        </p:spPr>
+        <p:txBody>
+          <a:bodyPr wrap="square" rtlCol="0" anchor="ctr">
+            <a:noAutofit/>
+          </a:bodyPr>
+          <a:lstStyle/>
+          <a:p>
+            <a:endParaRPr lang="en-US"/>
+          </a:p>
+        </p:txBody>
+      </p:sp>
       <p:sp>
         <p:nvSpPr>
           <p:cNvPr id="2" name="Título 1">
@@ -13303,130 +14113,589 @@
             <p:ph type="title"/>
           </p:nvPr>
         </p:nvSpPr>
-        <p:spPr/>
+        <p:spPr>
+          <a:xfrm>
+            <a:off x="1861854" y="633046"/>
+            <a:ext cx="4834021" cy="1314996"/>
+          </a:xfrm>
+        </p:spPr>
         <p:txBody>
-          <a:bodyPr/>
+          <a:bodyPr vert="horz" lIns="91440" tIns="45720" rIns="91440" bIns="45720" rtlCol="0" anchor="b">
+            <a:normAutofit/>
+          </a:bodyPr>
           <a:lstStyle/>
           <a:p>
             <a:r>
-              <a:rPr lang="es-MX" dirty="0" smtClean="0"/>
-              <a:t>PROPUESTA ECONÓMICA DE UN SERVIDOR FÍSICO MONOLITICO</a:t>
+              <a:rPr lang="en-US" sz="2800"/>
+              <a:t>PROPUESTA ECONÓMICA DE UN SERVIDOR FÍSICO Y NUBE MONOLITICO</a:t>
             </a:r>
-            <a:endParaRPr lang="es-CO" dirty="0"/>
           </a:p>
         </p:txBody>
       </p:sp>
-      <p:pic>
-        <p:nvPicPr>
-          <p:cNvPr id="6" name="Imagen 5"/>
-          <p:cNvPicPr>
-            <a:picLocks noChangeAspect="1"/>
-          </p:cNvPicPr>
+      <p:sp>
+        <p:nvSpPr>
+          <p:cNvPr id="3" name="CuadroTexto 2">
+            <a:extLst>
+              <a:ext uri="{FF2B5EF4-FFF2-40B4-BE49-F238E27FC236}">
+                <a16:creationId xmlns:a16="http://schemas.microsoft.com/office/drawing/2014/main" id="{C34324B2-D477-4DED-A5A8-DB2C67A54D2D}"/>
+              </a:ext>
+            </a:extLst>
+          </p:cNvPr>
+          <p:cNvSpPr txBox="1"/>
           <p:nvPr/>
-        </p:nvPicPr>
-        <p:blipFill>
-          <a:blip r:embed="rId2"/>
-          <a:stretch>
-            <a:fillRect/>
-          </a:stretch>
-        </p:blipFill>
+        </p:nvSpPr>
         <p:spPr>
           <a:xfrm>
-            <a:off x="838200" y="2177861"/>
-            <a:ext cx="10879068" cy="2705478"/>
+            <a:off x="1861854" y="2125737"/>
+            <a:ext cx="4834021" cy="4044463"/>
           </a:xfrm>
           <a:prstGeom prst="rect">
             <a:avLst/>
           </a:prstGeom>
         </p:spPr>
+        <p:txBody>
+          <a:bodyPr vert="horz" lIns="91440" tIns="45720" rIns="91440" bIns="45720" rtlCol="0">
+            <a:normAutofit/>
+          </a:bodyPr>
+          <a:lstStyle/>
+          <a:p>
+            <a:pPr indent="-228600">
+              <a:lnSpc>
+                <a:spcPct val="90000"/>
+              </a:lnSpc>
+              <a:spcAft>
+                <a:spcPts val="600"/>
+              </a:spcAft>
+              <a:buFont typeface="Arial" panose="020B0604020202020204" pitchFamily="34" charset="0"/>
+              <a:buChar char="•"/>
+            </a:pPr>
+            <a:r>
+              <a:rPr lang="en-US"/>
+              <a:t>Este punto esta en el PDF adjunto con el nombre de PROPUESTA ECONÓMICA DE UN SERVIDOR FÍSICO Y NUBE MONOLITICO</a:t>
+            </a:r>
+          </a:p>
+        </p:txBody>
+      </p:sp>
+      <p:pic>
+        <p:nvPicPr>
+          <p:cNvPr id="1026" name="Picture 2" descr="Resultado de imagen de logo pdf">
+            <a:extLst>
+              <a:ext uri="{FF2B5EF4-FFF2-40B4-BE49-F238E27FC236}">
+                <a16:creationId xmlns:a16="http://schemas.microsoft.com/office/drawing/2014/main" id="{4AC004EF-4C57-47AE-ABD6-B0A0B709B29F}"/>
+              </a:ext>
+            </a:extLst>
+          </p:cNvPr>
+          <p:cNvPicPr>
+            <a:picLocks noChangeAspect="1" noChangeArrowheads="1"/>
+          </p:cNvPicPr>
+          <p:nvPr/>
+        </p:nvPicPr>
+        <p:blipFill>
+          <a:blip r:embed="rId2">
+            <a:extLst>
+              <a:ext uri="{28A0092B-C50C-407E-A947-70E740481C1C}">
+                <a14:useLocalDpi xmlns:a14="http://schemas.microsoft.com/office/drawing/2010/main" val="0"/>
+              </a:ext>
+            </a:extLst>
+          </a:blip>
+          <a:stretch>
+            <a:fillRect/>
+          </a:stretch>
+        </p:blipFill>
+        <p:spPr bwMode="auto">
+          <a:xfrm>
+            <a:off x="7235473" y="1200223"/>
+            <a:ext cx="4072815" cy="4072815"/>
+          </a:xfrm>
+          <a:prstGeom prst="rect">
+            <a:avLst/>
+          </a:prstGeom>
+          <a:noFill/>
+          <a:extLst>
+            <a:ext uri="{909E8E84-426E-40DD-AFC4-6F175D3DCCD1}">
+              <a14:hiddenFill xmlns:a14="http://schemas.microsoft.com/office/drawing/2010/main">
+                <a:solidFill>
+                  <a:srgbClr val="FFFFFF"/>
+                </a:solidFill>
+              </a14:hiddenFill>
+            </a:ext>
+          </a:extLst>
+        </p:spPr>
       </p:pic>
+      <p:grpSp>
+        <p:nvGrpSpPr>
+          <p:cNvPr id="81" name="Graphic 185">
+            <a:extLst>
+              <a:ext uri="{FF2B5EF4-FFF2-40B4-BE49-F238E27FC236}">
+                <a16:creationId xmlns:a16="http://schemas.microsoft.com/office/drawing/2014/main" id="{0C156BF8-7FF7-440F-BE2B-417DFFE8BFA5}"/>
+              </a:ext>
+              <a:ext uri="{C183D7F6-B498-43B3-948B-1728B52AA6E4}">
+                <adec:decorative xmlns:adec="http://schemas.microsoft.com/office/drawing/2017/decorative" val="1"/>
+              </a:ext>
+            </a:extLst>
+          </p:cNvPr>
+          <p:cNvGrpSpPr>
+            <a:grpSpLocks noGrp="1" noUngrp="1" noRot="1" noChangeAspect="1" noMove="1" noResize="1"/>
+          </p:cNvGrpSpPr>
+          <p:nvPr>
+            <p:extLst>
+              <p:ext uri="{386F3935-93C4-4BCD-93E2-E3B085C9AB24}">
+                <p16:designElem xmlns:p16="http://schemas.microsoft.com/office/powerpoint/2015/main" val="1"/>
+              </p:ext>
+            </p:extLst>
+          </p:nvPr>
+        </p:nvGrpSpPr>
+        <p:grpSpPr>
+          <a:xfrm>
+            <a:off x="10428634" y="5987064"/>
+            <a:ext cx="1054466" cy="469689"/>
+            <a:chOff x="9841624" y="4115729"/>
+            <a:chExt cx="602169" cy="268223"/>
+          </a:xfrm>
+          <a:solidFill>
+            <a:schemeClr val="tx1"/>
+          </a:solidFill>
+        </p:grpSpPr>
+        <p:sp>
+          <p:nvSpPr>
+            <p:cNvPr id="82" name="Freeform: Shape 81">
+              <a:extLst>
+                <a:ext uri="{FF2B5EF4-FFF2-40B4-BE49-F238E27FC236}">
+                  <a16:creationId xmlns:a16="http://schemas.microsoft.com/office/drawing/2014/main" id="{B7067280-C3E7-4DF6-A345-B9FEF6EF8D6D}"/>
+                </a:ext>
+                <a:ext uri="{C183D7F6-B498-43B3-948B-1728B52AA6E4}">
+                  <adec:decorative xmlns:adec="http://schemas.microsoft.com/office/drawing/2017/decorative" val="1"/>
+                </a:ext>
+              </a:extLst>
+            </p:cNvPr>
+            <p:cNvSpPr/>
+            <p:nvPr>
+              <p:extLst>
+                <p:ext uri="{386F3935-93C4-4BCD-93E2-E3B085C9AB24}">
+                  <p16:designElem xmlns:p16="http://schemas.microsoft.com/office/powerpoint/2015/main" val="1"/>
+                </p:ext>
+              </p:extLst>
+            </p:nvPr>
+          </p:nvSpPr>
+          <p:spPr>
+            <a:xfrm>
+              <a:off x="9841624" y="4115729"/>
+              <a:ext cx="202882" cy="268223"/>
+            </a:xfrm>
+            <a:custGeom>
+              <a:avLst/>
+              <a:gdLst>
+                <a:gd name="connsiteX0" fmla="*/ 20765 w 202882"/>
+                <a:gd name="connsiteY0" fmla="*/ 268224 h 268223"/>
+                <a:gd name="connsiteX1" fmla="*/ 0 w 202882"/>
+                <a:gd name="connsiteY1" fmla="*/ 268224 h 268223"/>
+                <a:gd name="connsiteX2" fmla="*/ 182118 w 202882"/>
+                <a:gd name="connsiteY2" fmla="*/ 0 h 268223"/>
+                <a:gd name="connsiteX3" fmla="*/ 202883 w 202882"/>
+                <a:gd name="connsiteY3" fmla="*/ 0 h 268223"/>
+              </a:gdLst>
+              <a:ahLst/>
+              <a:cxnLst>
+                <a:cxn ang="0">
+                  <a:pos x="connsiteX0" y="connsiteY0"/>
+                </a:cxn>
+                <a:cxn ang="0">
+                  <a:pos x="connsiteX1" y="connsiteY1"/>
+                </a:cxn>
+                <a:cxn ang="0">
+                  <a:pos x="connsiteX2" y="connsiteY2"/>
+                </a:cxn>
+                <a:cxn ang="0">
+                  <a:pos x="connsiteX3" y="connsiteY3"/>
+                </a:cxn>
+              </a:cxnLst>
+              <a:rect l="l" t="t" r="r" b="b"/>
+              <a:pathLst>
+                <a:path w="202882" h="268223">
+                  <a:moveTo>
+                    <a:pt x="20765" y="268224"/>
+                  </a:moveTo>
+                  <a:lnTo>
+                    <a:pt x="0" y="268224"/>
+                  </a:lnTo>
+                  <a:lnTo>
+                    <a:pt x="182118" y="0"/>
+                  </a:lnTo>
+                  <a:lnTo>
+                    <a:pt x="202883" y="0"/>
+                  </a:lnTo>
+                  <a:close/>
+                </a:path>
+              </a:pathLst>
+            </a:custGeom>
+            <a:grpFill/>
+            <a:ln w="9525" cap="flat">
+              <a:noFill/>
+              <a:prstDash val="solid"/>
+              <a:miter/>
+            </a:ln>
+          </p:spPr>
+          <p:txBody>
+            <a:bodyPr rtlCol="0" anchor="ctr"/>
+            <a:lstStyle/>
+            <a:p>
+              <a:endParaRPr lang="en-US"/>
+            </a:p>
+          </p:txBody>
+        </p:sp>
+        <p:sp>
+          <p:nvSpPr>
+            <p:cNvPr id="83" name="Freeform: Shape 82">
+              <a:extLst>
+                <a:ext uri="{FF2B5EF4-FFF2-40B4-BE49-F238E27FC236}">
+                  <a16:creationId xmlns:a16="http://schemas.microsoft.com/office/drawing/2014/main" id="{A78365A8-666B-4417-9D3C-554E6E6B2C55}"/>
+                </a:ext>
+                <a:ext uri="{C183D7F6-B498-43B3-948B-1728B52AA6E4}">
+                  <adec:decorative xmlns:adec="http://schemas.microsoft.com/office/drawing/2017/decorative" val="1"/>
+                </a:ext>
+              </a:extLst>
+            </p:cNvPr>
+            <p:cNvSpPr/>
+            <p:nvPr>
+              <p:extLst>
+                <p:ext uri="{386F3935-93C4-4BCD-93E2-E3B085C9AB24}">
+                  <p16:designElem xmlns:p16="http://schemas.microsoft.com/office/powerpoint/2015/main" val="1"/>
+                </p:ext>
+              </p:extLst>
+            </p:nvPr>
+          </p:nvSpPr>
+          <p:spPr>
+            <a:xfrm>
+              <a:off x="9941445" y="4115729"/>
+              <a:ext cx="202882" cy="268223"/>
+            </a:xfrm>
+            <a:custGeom>
+              <a:avLst/>
+              <a:gdLst>
+                <a:gd name="connsiteX0" fmla="*/ 20765 w 202882"/>
+                <a:gd name="connsiteY0" fmla="*/ 268224 h 268223"/>
+                <a:gd name="connsiteX1" fmla="*/ 0 w 202882"/>
+                <a:gd name="connsiteY1" fmla="*/ 268224 h 268223"/>
+                <a:gd name="connsiteX2" fmla="*/ 182118 w 202882"/>
+                <a:gd name="connsiteY2" fmla="*/ 0 h 268223"/>
+                <a:gd name="connsiteX3" fmla="*/ 202883 w 202882"/>
+                <a:gd name="connsiteY3" fmla="*/ 0 h 268223"/>
+              </a:gdLst>
+              <a:ahLst/>
+              <a:cxnLst>
+                <a:cxn ang="0">
+                  <a:pos x="connsiteX0" y="connsiteY0"/>
+                </a:cxn>
+                <a:cxn ang="0">
+                  <a:pos x="connsiteX1" y="connsiteY1"/>
+                </a:cxn>
+                <a:cxn ang="0">
+                  <a:pos x="connsiteX2" y="connsiteY2"/>
+                </a:cxn>
+                <a:cxn ang="0">
+                  <a:pos x="connsiteX3" y="connsiteY3"/>
+                </a:cxn>
+              </a:cxnLst>
+              <a:rect l="l" t="t" r="r" b="b"/>
+              <a:pathLst>
+                <a:path w="202882" h="268223">
+                  <a:moveTo>
+                    <a:pt x="20765" y="268224"/>
+                  </a:moveTo>
+                  <a:lnTo>
+                    <a:pt x="0" y="268224"/>
+                  </a:lnTo>
+                  <a:lnTo>
+                    <a:pt x="182118" y="0"/>
+                  </a:lnTo>
+                  <a:lnTo>
+                    <a:pt x="202883" y="0"/>
+                  </a:lnTo>
+                  <a:close/>
+                </a:path>
+              </a:pathLst>
+            </a:custGeom>
+            <a:grpFill/>
+            <a:ln w="9525" cap="flat">
+              <a:noFill/>
+              <a:prstDash val="solid"/>
+              <a:miter/>
+            </a:ln>
+          </p:spPr>
+          <p:txBody>
+            <a:bodyPr rtlCol="0" anchor="ctr"/>
+            <a:lstStyle/>
+            <a:p>
+              <a:endParaRPr lang="en-US"/>
+            </a:p>
+          </p:txBody>
+        </p:sp>
+        <p:sp>
+          <p:nvSpPr>
+            <p:cNvPr id="84" name="Freeform: Shape 83">
+              <a:extLst>
+                <a:ext uri="{FF2B5EF4-FFF2-40B4-BE49-F238E27FC236}">
+                  <a16:creationId xmlns:a16="http://schemas.microsoft.com/office/drawing/2014/main" id="{E71CAAFA-0A31-4308-AB9F-B1C84ABDF9DE}"/>
+                </a:ext>
+                <a:ext uri="{C183D7F6-B498-43B3-948B-1728B52AA6E4}">
+                  <adec:decorative xmlns:adec="http://schemas.microsoft.com/office/drawing/2017/decorative" val="1"/>
+                </a:ext>
+              </a:extLst>
+            </p:cNvPr>
+            <p:cNvSpPr/>
+            <p:nvPr>
+              <p:extLst>
+                <p:ext uri="{386F3935-93C4-4BCD-93E2-E3B085C9AB24}">
+                  <p16:designElem xmlns:p16="http://schemas.microsoft.com/office/powerpoint/2015/main" val="1"/>
+                </p:ext>
+              </p:extLst>
+            </p:nvPr>
+          </p:nvSpPr>
+          <p:spPr>
+            <a:xfrm>
+              <a:off x="10041267" y="4115729"/>
+              <a:ext cx="202882" cy="268223"/>
+            </a:xfrm>
+            <a:custGeom>
+              <a:avLst/>
+              <a:gdLst>
+                <a:gd name="connsiteX0" fmla="*/ 20669 w 202882"/>
+                <a:gd name="connsiteY0" fmla="*/ 268224 h 268223"/>
+                <a:gd name="connsiteX1" fmla="*/ 0 w 202882"/>
+                <a:gd name="connsiteY1" fmla="*/ 268224 h 268223"/>
+                <a:gd name="connsiteX2" fmla="*/ 182118 w 202882"/>
+                <a:gd name="connsiteY2" fmla="*/ 0 h 268223"/>
+                <a:gd name="connsiteX3" fmla="*/ 202883 w 202882"/>
+                <a:gd name="connsiteY3" fmla="*/ 0 h 268223"/>
+              </a:gdLst>
+              <a:ahLst/>
+              <a:cxnLst>
+                <a:cxn ang="0">
+                  <a:pos x="connsiteX0" y="connsiteY0"/>
+                </a:cxn>
+                <a:cxn ang="0">
+                  <a:pos x="connsiteX1" y="connsiteY1"/>
+                </a:cxn>
+                <a:cxn ang="0">
+                  <a:pos x="connsiteX2" y="connsiteY2"/>
+                </a:cxn>
+                <a:cxn ang="0">
+                  <a:pos x="connsiteX3" y="connsiteY3"/>
+                </a:cxn>
+              </a:cxnLst>
+              <a:rect l="l" t="t" r="r" b="b"/>
+              <a:pathLst>
+                <a:path w="202882" h="268223">
+                  <a:moveTo>
+                    <a:pt x="20669" y="268224"/>
+                  </a:moveTo>
+                  <a:lnTo>
+                    <a:pt x="0" y="268224"/>
+                  </a:lnTo>
+                  <a:lnTo>
+                    <a:pt x="182118" y="0"/>
+                  </a:lnTo>
+                  <a:lnTo>
+                    <a:pt x="202883" y="0"/>
+                  </a:lnTo>
+                  <a:close/>
+                </a:path>
+              </a:pathLst>
+            </a:custGeom>
+            <a:grpFill/>
+            <a:ln w="9525" cap="flat">
+              <a:noFill/>
+              <a:prstDash val="solid"/>
+              <a:miter/>
+            </a:ln>
+          </p:spPr>
+          <p:txBody>
+            <a:bodyPr rtlCol="0" anchor="ctr"/>
+            <a:lstStyle/>
+            <a:p>
+              <a:endParaRPr lang="en-US"/>
+            </a:p>
+          </p:txBody>
+        </p:sp>
+        <p:sp>
+          <p:nvSpPr>
+            <p:cNvPr id="85" name="Freeform: Shape 84">
+              <a:extLst>
+                <a:ext uri="{FF2B5EF4-FFF2-40B4-BE49-F238E27FC236}">
+                  <a16:creationId xmlns:a16="http://schemas.microsoft.com/office/drawing/2014/main" id="{96AB1D25-144D-4BB4-A45C-60B8A094F41F}"/>
+                </a:ext>
+                <a:ext uri="{C183D7F6-B498-43B3-948B-1728B52AA6E4}">
+                  <adec:decorative xmlns:adec="http://schemas.microsoft.com/office/drawing/2017/decorative" val="1"/>
+                </a:ext>
+              </a:extLst>
+            </p:cNvPr>
+            <p:cNvSpPr/>
+            <p:nvPr>
+              <p:extLst>
+                <p:ext uri="{386F3935-93C4-4BCD-93E2-E3B085C9AB24}">
+                  <p16:designElem xmlns:p16="http://schemas.microsoft.com/office/powerpoint/2015/main" val="1"/>
+                </p:ext>
+              </p:extLst>
+            </p:nvPr>
+          </p:nvSpPr>
+          <p:spPr>
+            <a:xfrm>
+              <a:off x="10141090" y="4115729"/>
+              <a:ext cx="202882" cy="268223"/>
+            </a:xfrm>
+            <a:custGeom>
+              <a:avLst/>
+              <a:gdLst>
+                <a:gd name="connsiteX0" fmla="*/ 20669 w 202882"/>
+                <a:gd name="connsiteY0" fmla="*/ 268224 h 268223"/>
+                <a:gd name="connsiteX1" fmla="*/ 0 w 202882"/>
+                <a:gd name="connsiteY1" fmla="*/ 268224 h 268223"/>
+                <a:gd name="connsiteX2" fmla="*/ 182118 w 202882"/>
+                <a:gd name="connsiteY2" fmla="*/ 0 h 268223"/>
+                <a:gd name="connsiteX3" fmla="*/ 202883 w 202882"/>
+                <a:gd name="connsiteY3" fmla="*/ 0 h 268223"/>
+              </a:gdLst>
+              <a:ahLst/>
+              <a:cxnLst>
+                <a:cxn ang="0">
+                  <a:pos x="connsiteX0" y="connsiteY0"/>
+                </a:cxn>
+                <a:cxn ang="0">
+                  <a:pos x="connsiteX1" y="connsiteY1"/>
+                </a:cxn>
+                <a:cxn ang="0">
+                  <a:pos x="connsiteX2" y="connsiteY2"/>
+                </a:cxn>
+                <a:cxn ang="0">
+                  <a:pos x="connsiteX3" y="connsiteY3"/>
+                </a:cxn>
+              </a:cxnLst>
+              <a:rect l="l" t="t" r="r" b="b"/>
+              <a:pathLst>
+                <a:path w="202882" h="268223">
+                  <a:moveTo>
+                    <a:pt x="20669" y="268224"/>
+                  </a:moveTo>
+                  <a:lnTo>
+                    <a:pt x="0" y="268224"/>
+                  </a:lnTo>
+                  <a:lnTo>
+                    <a:pt x="182118" y="0"/>
+                  </a:lnTo>
+                  <a:lnTo>
+                    <a:pt x="202883" y="0"/>
+                  </a:lnTo>
+                  <a:close/>
+                </a:path>
+              </a:pathLst>
+            </a:custGeom>
+            <a:grpFill/>
+            <a:ln w="9525" cap="flat">
+              <a:noFill/>
+              <a:prstDash val="solid"/>
+              <a:miter/>
+            </a:ln>
+          </p:spPr>
+          <p:txBody>
+            <a:bodyPr rtlCol="0" anchor="ctr"/>
+            <a:lstStyle/>
+            <a:p>
+              <a:endParaRPr lang="en-US"/>
+            </a:p>
+          </p:txBody>
+        </p:sp>
+        <p:sp>
+          <p:nvSpPr>
+            <p:cNvPr id="86" name="Freeform: Shape 85">
+              <a:extLst>
+                <a:ext uri="{FF2B5EF4-FFF2-40B4-BE49-F238E27FC236}">
+                  <a16:creationId xmlns:a16="http://schemas.microsoft.com/office/drawing/2014/main" id="{069F0FB4-779A-48FC-AC33-784F177C9298}"/>
+                </a:ext>
+                <a:ext uri="{C183D7F6-B498-43B3-948B-1728B52AA6E4}">
+                  <adec:decorative xmlns:adec="http://schemas.microsoft.com/office/drawing/2017/decorative" val="1"/>
+                </a:ext>
+              </a:extLst>
+            </p:cNvPr>
+            <p:cNvSpPr/>
+            <p:nvPr>
+              <p:extLst>
+                <p:ext uri="{386F3935-93C4-4BCD-93E2-E3B085C9AB24}">
+                  <p16:designElem xmlns:p16="http://schemas.microsoft.com/office/powerpoint/2015/main" val="1"/>
+                </p:ext>
+              </p:extLst>
+            </p:nvPr>
+          </p:nvSpPr>
+          <p:spPr>
+            <a:xfrm>
+              <a:off x="10240911" y="4115729"/>
+              <a:ext cx="202882" cy="268223"/>
+            </a:xfrm>
+            <a:custGeom>
+              <a:avLst/>
+              <a:gdLst>
+                <a:gd name="connsiteX0" fmla="*/ 20669 w 202882"/>
+                <a:gd name="connsiteY0" fmla="*/ 268224 h 268223"/>
+                <a:gd name="connsiteX1" fmla="*/ 0 w 202882"/>
+                <a:gd name="connsiteY1" fmla="*/ 268224 h 268223"/>
+                <a:gd name="connsiteX2" fmla="*/ 182118 w 202882"/>
+                <a:gd name="connsiteY2" fmla="*/ 0 h 268223"/>
+                <a:gd name="connsiteX3" fmla="*/ 202883 w 202882"/>
+                <a:gd name="connsiteY3" fmla="*/ 0 h 268223"/>
+              </a:gdLst>
+              <a:ahLst/>
+              <a:cxnLst>
+                <a:cxn ang="0">
+                  <a:pos x="connsiteX0" y="connsiteY0"/>
+                </a:cxn>
+                <a:cxn ang="0">
+                  <a:pos x="connsiteX1" y="connsiteY1"/>
+                </a:cxn>
+                <a:cxn ang="0">
+                  <a:pos x="connsiteX2" y="connsiteY2"/>
+                </a:cxn>
+                <a:cxn ang="0">
+                  <a:pos x="connsiteX3" y="connsiteY3"/>
+                </a:cxn>
+              </a:cxnLst>
+              <a:rect l="l" t="t" r="r" b="b"/>
+              <a:pathLst>
+                <a:path w="202882" h="268223">
+                  <a:moveTo>
+                    <a:pt x="20669" y="268224"/>
+                  </a:moveTo>
+                  <a:lnTo>
+                    <a:pt x="0" y="268224"/>
+                  </a:lnTo>
+                  <a:lnTo>
+                    <a:pt x="182118" y="0"/>
+                  </a:lnTo>
+                  <a:lnTo>
+                    <a:pt x="202883" y="0"/>
+                  </a:lnTo>
+                  <a:close/>
+                </a:path>
+              </a:pathLst>
+            </a:custGeom>
+            <a:grpFill/>
+            <a:ln w="9525" cap="flat">
+              <a:noFill/>
+              <a:prstDash val="solid"/>
+              <a:miter/>
+            </a:ln>
+          </p:spPr>
+          <p:txBody>
+            <a:bodyPr rtlCol="0" anchor="ctr"/>
+            <a:lstStyle/>
+            <a:p>
+              <a:endParaRPr lang="en-US"/>
+            </a:p>
+          </p:txBody>
+        </p:sp>
+      </p:grpSp>
     </p:spTree>
     <p:extLst>
       <p:ext uri="{BB962C8B-B14F-4D97-AF65-F5344CB8AC3E}">
         <p14:creationId xmlns:p14="http://schemas.microsoft.com/office/powerpoint/2010/main" val="423202063"/>
-      </p:ext>
-    </p:extLst>
-  </p:cSld>
-  <p:clrMapOvr>
-    <a:masterClrMapping/>
-  </p:clrMapOvr>
-</p:sld>
-</file>
-
-<file path=ppt/slides/slide16.xml><?xml version="1.0" encoding="utf-8"?>
-<p:sld xmlns:a="http://schemas.openxmlformats.org/drawingml/2006/main" xmlns:r="http://schemas.openxmlformats.org/officeDocument/2006/relationships" xmlns:p="http://schemas.openxmlformats.org/presentationml/2006/main">
-  <p:cSld>
-    <p:spTree>
-      <p:nvGrpSpPr>
-        <p:cNvPr id="1" name=""/>
-        <p:cNvGrpSpPr/>
-        <p:nvPr/>
-      </p:nvGrpSpPr>
-      <p:grpSpPr>
-        <a:xfrm>
-          <a:off x="0" y="0"/>
-          <a:ext cx="0" cy="0"/>
-          <a:chOff x="0" y="0"/>
-          <a:chExt cx="0" cy="0"/>
-        </a:xfrm>
-      </p:grpSpPr>
-      <p:sp>
-        <p:nvSpPr>
-          <p:cNvPr id="2" name="Título 1">
-            <a:extLst>
-              <a:ext uri="{FF2B5EF4-FFF2-40B4-BE49-F238E27FC236}">
-                <a16:creationId xmlns:a16="http://schemas.microsoft.com/office/drawing/2014/main" id="{D0869FB6-5646-46C0-9B29-F32FBF4333E1}"/>
-              </a:ext>
-            </a:extLst>
-          </p:cNvPr>
-          <p:cNvSpPr>
-            <a:spLocks noGrp="1"/>
-          </p:cNvSpPr>
-          <p:nvPr>
-            <p:ph type="title"/>
-          </p:nvPr>
-        </p:nvSpPr>
-        <p:spPr/>
-        <p:txBody>
-          <a:bodyPr/>
-          <a:lstStyle/>
-          <a:p>
-            <a:r>
-              <a:rPr lang="es-MX" dirty="0" smtClean="0"/>
-              <a:t>PROPUESTA ECONÓMICA DE UN SERVIDOR NUBE MONOLITICO</a:t>
-            </a:r>
-            <a:endParaRPr lang="es-CO" dirty="0"/>
-          </a:p>
-        </p:txBody>
-      </p:sp>
-      <p:pic>
-        <p:nvPicPr>
-          <p:cNvPr id="4" name="Imagen 3"/>
-          <p:cNvPicPr>
-            <a:picLocks noChangeAspect="1"/>
-          </p:cNvPicPr>
-          <p:nvPr/>
-        </p:nvPicPr>
-        <p:blipFill>
-          <a:blip r:embed="rId2"/>
-          <a:stretch>
-            <a:fillRect/>
-          </a:stretch>
-        </p:blipFill>
-        <p:spPr>
-          <a:xfrm>
-            <a:off x="838200" y="1881188"/>
-            <a:ext cx="10290175" cy="4484174"/>
-          </a:xfrm>
-          <a:prstGeom prst="rect">
-            <a:avLst/>
-          </a:prstGeom>
-        </p:spPr>
-      </p:pic>
-    </p:spTree>
-    <p:extLst>
-      <p:ext uri="{BB962C8B-B14F-4D97-AF65-F5344CB8AC3E}">
-        <p14:creationId xmlns:p14="http://schemas.microsoft.com/office/powerpoint/2010/main" val="682812786"/>
       </p:ext>
     </p:extLst>
   </p:cSld>
@@ -13482,7 +14751,7 @@
           <a:lstStyle/>
           <a:p>
             <a:r>
-              <a:rPr lang="es-MX" sz="3200" dirty="0" smtClean="0"/>
+              <a:rPr lang="es-MX" sz="3200" dirty="0"/>
               <a:t>1. Si Se Quiere Montar Uno Con Una Carga De 5000 Peticiones Simultáneas, En El Que Cada Petición Tiene Un Consumo De 120 KB Y, Además, Existe Acceso A Una Base De Datos Donde Cada Conexión Consume 50 KB, ¿Cuánta Memoria Se Necesitaría Para Un Rendimiento Óptimo Del Servidor?</a:t>
             </a:r>
             <a:endParaRPr lang="es-CO" sz="3200" dirty="0"/>
@@ -13571,20 +14840,8 @@
           <a:lstStyle/>
           <a:p>
             <a:r>
-              <a:rPr lang="es-MX" sz="3200" dirty="0" smtClean="0"/>
-              <a:t>2. Necesita </a:t>
-            </a:r>
-            <a:r>
               <a:rPr lang="es-MX" sz="3200" dirty="0"/>
-              <a:t>montar un servidor web con acceso a base de datos y autorización SSL para las transacciones más delicadas. Además, se desea poder utilizar el script en </a:t>
-            </a:r>
-            <a:r>
-              <a:rPr lang="es-MX" sz="3200" dirty="0" smtClean="0"/>
-              <a:t>Python </a:t>
-            </a:r>
-            <a:r>
-              <a:rPr lang="es-MX" sz="3200" dirty="0"/>
-              <a:t>para el desarrollo de páginas dinámicas. ¿Cuáles serán los módulos que se deben configurar en un servidor Apache? </a:t>
+              <a:t>2. Necesita montar un servidor web con acceso a base de datos y autorización SSL para las transacciones más delicadas. Además, se desea poder utilizar el script en Python para el desarrollo de páginas dinámicas. ¿Cuáles serán los módulos que se deben configurar en un servidor Apache? </a:t>
             </a:r>
             <a:endParaRPr lang="es-CO" sz="3200" dirty="0"/>
           </a:p>
@@ -13625,15 +14882,7 @@
                 <a:ea typeface="Calibri" panose="020F0502020204030204" pitchFamily="34" charset="0"/>
                 <a:cs typeface="Times New Roman" panose="02020603050405020304" pitchFamily="18" charset="0"/>
               </a:rPr>
-              <a:t>Se utilizará Mod_SSL para proporcionar comunicaciones seguras vía SSL y TLL, para poder realizar accesos a bases de datos, se configura mod_php y mod_phyton para el desarrollo de sitios dinámicos en </a:t>
-            </a:r>
-            <a:r>
-              <a:rPr lang="es-CO" sz="2400" dirty="0" smtClean="0">
-                <a:latin typeface="inherit"/>
-                <a:ea typeface="Calibri" panose="020F0502020204030204" pitchFamily="34" charset="0"/>
-                <a:cs typeface="Times New Roman" panose="02020603050405020304" pitchFamily="18" charset="0"/>
-              </a:rPr>
-              <a:t>Python.</a:t>
+              <a:t>Se utilizará Mod_SSL para proporcionar comunicaciones seguras vía SSL y TLL, para poder realizar accesos a bases de datos, se configura mod_php y mod_phyton para el desarrollo de sitios dinámicos en Python.</a:t>
             </a:r>
             <a:endParaRPr lang="es-CO" sz="2000" dirty="0">
               <a:effectLst/>
@@ -13744,12 +14993,8 @@
           <a:lstStyle/>
           <a:p>
             <a:r>
-              <a:rPr lang="es-MX" sz="3200" dirty="0" smtClean="0"/>
-              <a:t>3. Explique </a:t>
-            </a:r>
-            <a:r>
               <a:rPr lang="es-MX" sz="3200" dirty="0"/>
-              <a:t>las diferencias entre las aplicaciones del lado del cliente y las del lado del servidor</a:t>
+              <a:t>3. Explique las diferencias entre las aplicaciones del lado del cliente y las del lado del servidor</a:t>
             </a:r>
             <a:endParaRPr lang="es-CO" sz="3200" dirty="0"/>
           </a:p>
@@ -13785,7 +15030,7 @@
               </a:spcAft>
             </a:pPr>
             <a:r>
-              <a:rPr lang="es-CO" b="1" dirty="0" smtClean="0">
+              <a:rPr lang="es-CO" b="1" dirty="0">
                 <a:solidFill>
                   <a:srgbClr val="000000"/>
                 </a:solidFill>
@@ -13860,7 +15105,7 @@
               </a:spcAft>
             </a:pPr>
             <a:r>
-              <a:rPr lang="es-CO" b="1" dirty="0" smtClean="0">
+              <a:rPr lang="es-CO" b="1" dirty="0">
                 <a:solidFill>
                   <a:srgbClr val="000000"/>
                 </a:solidFill>
@@ -13886,17 +15131,6 @@
               </a:spcAft>
             </a:pPr>
             <a:r>
-              <a:rPr lang="es-CO" dirty="0" smtClean="0">
-                <a:solidFill>
-                  <a:srgbClr val="000000"/>
-                </a:solidFill>
-                <a:latin typeface="Calibri Light" panose="020F0302020204030204" pitchFamily="34" charset="0"/>
-                <a:ea typeface="Calibri" panose="020F0502020204030204" pitchFamily="34" charset="0"/>
-                <a:cs typeface="Times New Roman" panose="02020603050405020304" pitchFamily="18" charset="0"/>
-              </a:rPr>
-              <a:t>Las </a:t>
-            </a:r>
-            <a:r>
               <a:rPr lang="es-CO" dirty="0">
                 <a:solidFill>
                   <a:srgbClr val="000000"/>
@@ -13905,18 +15139,7 @@
                 <a:ea typeface="Calibri" panose="020F0502020204030204" pitchFamily="34" charset="0"/>
                 <a:cs typeface="Times New Roman" panose="02020603050405020304" pitchFamily="18" charset="0"/>
               </a:rPr>
-              <a:t>tecnologías del lado del servidor incluyen PHP y ASP.NET de Microsoft. El código de servidor se ejecuta en el servidor web de un sitio en lugar de en el navegador de un visitante del sitio. Si usted visita una página Web que utiliza la programación del lado del servidor, nunca se puede saber que el servidor está ocupado ejecutar instrucciones mientras ve la página Web. Un buen ejemplo de procesamiento del lado del servidor es una página ASP.NET que le permiten cambiar el tamaño de una imagen. Después de hacer clic en un botón para subir una imagen a un servidor Web, el código en el servidor cambia el tamaño de la imagen y envía la nueva imagen de nuevo a su navegador</a:t>
-            </a:r>
-            <a:r>
-              <a:rPr lang="es-CO" dirty="0" smtClean="0">
-                <a:solidFill>
-                  <a:srgbClr val="000000"/>
-                </a:solidFill>
-                <a:latin typeface="Calibri Light" panose="020F0302020204030204" pitchFamily="34" charset="0"/>
-                <a:ea typeface="Calibri" panose="020F0502020204030204" pitchFamily="34" charset="0"/>
-                <a:cs typeface="Times New Roman" panose="02020603050405020304" pitchFamily="18" charset="0"/>
-              </a:rPr>
-              <a:t>.</a:t>
+              <a:t>Las tecnologías del lado del servidor incluyen PHP y ASP.NET de Microsoft. El código de servidor se ejecuta en el servidor web de un sitio en lugar de en el navegador de un visitante del sitio. Si usted visita una página Web que utiliza la programación del lado del servidor, nunca se puede saber que el servidor está ocupado ejecutar instrucciones mientras ve la página Web. Un buen ejemplo de procesamiento del lado del servidor es una página ASP.NET que le permiten cambiar el tamaño de una imagen. Después de hacer clic en un botón para subir una imagen a un servidor Web, el código en el servidor cambia el tamaño de la imagen y envía la nueva imagen de nuevo a su navegador.</a:t>
             </a:r>
             <a:endParaRPr lang="es-CO" dirty="0">
               <a:solidFill>
@@ -13987,12 +15210,8 @@
           <a:lstStyle/>
           <a:p>
             <a:r>
-              <a:rPr lang="es-MX" sz="3200" dirty="0" smtClean="0"/>
-              <a:t>4. Imagine </a:t>
-            </a:r>
-            <a:r>
               <a:rPr lang="es-MX" sz="3200" dirty="0"/>
-              <a:t>que se necesita montar un servidor web con autorización SSL para algunas transacciones. ¿Es independiente el servidor web que se debe escoger? Justifique la respuesta</a:t>
+              <a:t>4. Imagine que se necesita montar un servidor web con autorización SSL para algunas transacciones. ¿Es independiente el servidor web que se debe escoger? Justifique la respuesta</a:t>
             </a:r>
             <a:endParaRPr lang="es-CO" sz="3200" dirty="0"/>
           </a:p>
@@ -14007,7 +15226,7 @@
         <p:spPr>
           <a:xfrm>
             <a:off x="716754" y="2584450"/>
-            <a:ext cx="9928228" cy="388696"/>
+            <a:ext cx="9928228" cy="671081"/>
           </a:xfrm>
           <a:prstGeom prst="rect">
             <a:avLst/>
@@ -14025,8 +15244,8 @@
               </a:lnSpc>
             </a:pPr>
             <a:r>
-              <a:rPr lang="es-CO" dirty="0" smtClean="0"/>
-              <a:t>Si el SSL puede ser adquirido por un proveedor externo.</a:t>
+              <a:rPr lang="es-CO" dirty="0"/>
+              <a:t>Si el SSL puede ser adquirido por un proveedor externo pero se recomienda que se adquiera con el hosting.</a:t>
             </a:r>
             <a:endParaRPr lang="es-CO" sz="1600" b="1" dirty="0">
               <a:latin typeface="Calibri" panose="020F0502020204030204" pitchFamily="34" charset="0"/>
@@ -14119,10 +15338,9 @@
           <a:lstStyle/>
           <a:p>
             <a:r>
-              <a:rPr lang="es-CO" sz="3200" dirty="0" smtClean="0"/>
+              <a:rPr lang="es-CO" sz="3200" dirty="0"/>
               <a:t>5. ¿Cuáles debería ser las características preferibles para un servidor web? </a:t>
             </a:r>
-            <a:endParaRPr lang="es-CO" sz="3200" dirty="0"/>
           </a:p>
         </p:txBody>
       </p:sp>
@@ -14467,10 +15685,9 @@
           <a:lstStyle/>
           <a:p>
             <a:r>
-              <a:rPr lang="es-CO" sz="3200" dirty="0" smtClean="0"/>
+              <a:rPr lang="es-CO" sz="3200" dirty="0"/>
               <a:t>5. ¿Cuáles debería ser las características preferibles para un servidor web? </a:t>
             </a:r>
-            <a:endParaRPr lang="es-CO" sz="3200" dirty="0"/>
           </a:p>
         </p:txBody>
       </p:sp>
@@ -14580,10 +15797,9 @@
               <a:buChar char="•"/>
             </a:pPr>
             <a:r>
-              <a:rPr lang="es-CO" dirty="0" smtClean="0"/>
+              <a:rPr lang="es-CO" dirty="0"/>
               <a:t>JavaScript</a:t>
             </a:r>
-            <a:endParaRPr lang="es-CO" dirty="0"/>
           </a:p>
           <a:p>
             <a:pPr marL="800100" lvl="1" indent="-342900">
@@ -14752,10 +15968,9 @@
           <a:lstStyle/>
           <a:p>
             <a:r>
-              <a:rPr lang="es-CO" sz="3200" dirty="0" smtClean="0"/>
+              <a:rPr lang="es-CO" sz="3200" dirty="0"/>
               <a:t>5. ¿Cuáles debería ser las características preferibles para un servidor web? </a:t>
             </a:r>
-            <a:endParaRPr lang="es-CO" sz="3200" dirty="0"/>
           </a:p>
         </p:txBody>
       </p:sp>
@@ -14812,25 +16027,7 @@
                 </a:solidFill>
                 <a:ea typeface="Calibri" panose="020F0502020204030204" pitchFamily="34" charset="0"/>
               </a:rPr>
-              <a:t>Monitoreo de Red y límites (Debe tener en cuenta las características como Disco Duro, espacio de almacenamiento, Velocidad de red, Consumo de </a:t>
-            </a:r>
-            <a:r>
-              <a:rPr lang="es-CO" dirty="0" smtClean="0">
-                <a:solidFill>
-                  <a:srgbClr val="000000"/>
-                </a:solidFill>
-                <a:ea typeface="Calibri" panose="020F0502020204030204" pitchFamily="34" charset="0"/>
-              </a:rPr>
-              <a:t>RAM, </a:t>
-            </a:r>
-            <a:r>
-              <a:rPr lang="es-CO" dirty="0">
-                <a:solidFill>
-                  <a:srgbClr val="000000"/>
-                </a:solidFill>
-                <a:ea typeface="Calibri" panose="020F0502020204030204" pitchFamily="34" charset="0"/>
-              </a:rPr>
-              <a:t>uso del CPU). </a:t>
+              <a:t>Monitoreo de Red y límites (Debe tener en cuenta las características como Disco Duro, espacio de almacenamiento, Velocidad de red, Consumo de RAM, uso del CPU). </a:t>
             </a:r>
           </a:p>
           <a:p>
@@ -14938,23 +16135,8 @@
                 </a:solidFill>
                 <a:ea typeface="Calibri" panose="020F0502020204030204" pitchFamily="34" charset="0"/>
               </a:rPr>
-              <a:t>Compresión de </a:t>
+              <a:t>Compresión de gzip</a:t>
             </a:r>
-            <a:r>
-              <a:rPr lang="es-CO" dirty="0" smtClean="0">
-                <a:solidFill>
-                  <a:srgbClr val="000000"/>
-                </a:solidFill>
-                <a:ea typeface="Calibri" panose="020F0502020204030204" pitchFamily="34" charset="0"/>
-              </a:rPr>
-              <a:t>gzip</a:t>
-            </a:r>
-            <a:endParaRPr lang="es-CO" dirty="0">
-              <a:solidFill>
-                <a:srgbClr val="000000"/>
-              </a:solidFill>
-              <a:ea typeface="Calibri" panose="020F0502020204030204" pitchFamily="34" charset="0"/>
-            </a:endParaRPr>
           </a:p>
         </p:txBody>
       </p:sp>
@@ -15017,10 +16199,9 @@
           <a:lstStyle/>
           <a:p>
             <a:r>
-              <a:rPr lang="es-CO" sz="3200" dirty="0" smtClean="0"/>
+              <a:rPr lang="es-CO" sz="3200" dirty="0"/>
               <a:t>5. ¿Cuáles debería ser las características preferibles para un servidor web? </a:t>
             </a:r>
-            <a:endParaRPr lang="es-CO" sz="3200" dirty="0"/>
           </a:p>
         </p:txBody>
       </p:sp>
@@ -15203,12 +16384,6 @@
               </a:rPr>
               <a:t>Puestos de Red.</a:t>
             </a:r>
-            <a:endParaRPr lang="es-CO" dirty="0">
-              <a:solidFill>
-                <a:srgbClr val="000000"/>
-              </a:solidFill>
-              <a:ea typeface="Calibri" panose="020F0502020204030204" pitchFamily="34" charset="0"/>
-            </a:endParaRPr>
           </a:p>
         </p:txBody>
       </p:sp>
